--- a/Presentations/LucianUpdate_19.6.22.pptx
+++ b/Presentations/LucianUpdate_19.6.22.pptx
@@ -6,7 +6,9 @@
   </p:sldMasterIdLst>
   <p:sldIdLst>
     <p:sldId id="259" r:id="rId2"/>
-    <p:sldId id="260" r:id="rId3"/>
+    <p:sldId id="261" r:id="rId3"/>
+    <p:sldId id="260" r:id="rId4"/>
+    <p:sldId id="262" r:id="rId5"/>
   </p:sldIdLst>
   <p:sldSz cx="12192000" cy="6858000"/>
   <p:notesSz cx="6858000" cy="9144000"/>
@@ -262,7 +264,7 @@
           <a:p>
             <a:fld id="{951B0501-9A75-415E-A6C5-B5D956769FEC}" type="datetimeFigureOut">
               <a:rPr lang="en-AU" smtClean="0"/>
-              <a:t>9/06/2022</a:t>
+              <a:t>14/06/2022</a:t>
             </a:fld>
             <a:endParaRPr lang="en-AU"/>
           </a:p>
@@ -462,7 +464,7 @@
           <a:p>
             <a:fld id="{951B0501-9A75-415E-A6C5-B5D956769FEC}" type="datetimeFigureOut">
               <a:rPr lang="en-AU" smtClean="0"/>
-              <a:t>9/06/2022</a:t>
+              <a:t>14/06/2022</a:t>
             </a:fld>
             <a:endParaRPr lang="en-AU"/>
           </a:p>
@@ -672,7 +674,7 @@
           <a:p>
             <a:fld id="{951B0501-9A75-415E-A6C5-B5D956769FEC}" type="datetimeFigureOut">
               <a:rPr lang="en-AU" smtClean="0"/>
-              <a:t>9/06/2022</a:t>
+              <a:t>14/06/2022</a:t>
             </a:fld>
             <a:endParaRPr lang="en-AU"/>
           </a:p>
@@ -872,7 +874,7 @@
           <a:p>
             <a:fld id="{951B0501-9A75-415E-A6C5-B5D956769FEC}" type="datetimeFigureOut">
               <a:rPr lang="en-AU" smtClean="0"/>
-              <a:t>9/06/2022</a:t>
+              <a:t>14/06/2022</a:t>
             </a:fld>
             <a:endParaRPr lang="en-AU"/>
           </a:p>
@@ -1148,7 +1150,7 @@
           <a:p>
             <a:fld id="{951B0501-9A75-415E-A6C5-B5D956769FEC}" type="datetimeFigureOut">
               <a:rPr lang="en-AU" smtClean="0"/>
-              <a:t>9/06/2022</a:t>
+              <a:t>14/06/2022</a:t>
             </a:fld>
             <a:endParaRPr lang="en-AU"/>
           </a:p>
@@ -1416,7 +1418,7 @@
           <a:p>
             <a:fld id="{951B0501-9A75-415E-A6C5-B5D956769FEC}" type="datetimeFigureOut">
               <a:rPr lang="en-AU" smtClean="0"/>
-              <a:t>9/06/2022</a:t>
+              <a:t>14/06/2022</a:t>
             </a:fld>
             <a:endParaRPr lang="en-AU"/>
           </a:p>
@@ -1831,7 +1833,7 @@
           <a:p>
             <a:fld id="{951B0501-9A75-415E-A6C5-B5D956769FEC}" type="datetimeFigureOut">
               <a:rPr lang="en-AU" smtClean="0"/>
-              <a:t>9/06/2022</a:t>
+              <a:t>14/06/2022</a:t>
             </a:fld>
             <a:endParaRPr lang="en-AU"/>
           </a:p>
@@ -1973,7 +1975,7 @@
           <a:p>
             <a:fld id="{951B0501-9A75-415E-A6C5-B5D956769FEC}" type="datetimeFigureOut">
               <a:rPr lang="en-AU" smtClean="0"/>
-              <a:t>9/06/2022</a:t>
+              <a:t>14/06/2022</a:t>
             </a:fld>
             <a:endParaRPr lang="en-AU"/>
           </a:p>
@@ -2086,7 +2088,7 @@
           <a:p>
             <a:fld id="{951B0501-9A75-415E-A6C5-B5D956769FEC}" type="datetimeFigureOut">
               <a:rPr lang="en-AU" smtClean="0"/>
-              <a:t>9/06/2022</a:t>
+              <a:t>14/06/2022</a:t>
             </a:fld>
             <a:endParaRPr lang="en-AU"/>
           </a:p>
@@ -2399,7 +2401,7 @@
           <a:p>
             <a:fld id="{951B0501-9A75-415E-A6C5-B5D956769FEC}" type="datetimeFigureOut">
               <a:rPr lang="en-AU" smtClean="0"/>
-              <a:t>9/06/2022</a:t>
+              <a:t>14/06/2022</a:t>
             </a:fld>
             <a:endParaRPr lang="en-AU"/>
           </a:p>
@@ -2688,7 +2690,7 @@
           <a:p>
             <a:fld id="{951B0501-9A75-415E-A6C5-B5D956769FEC}" type="datetimeFigureOut">
               <a:rPr lang="en-AU" smtClean="0"/>
-              <a:t>9/06/2022</a:t>
+              <a:t>14/06/2022</a:t>
             </a:fld>
             <a:endParaRPr lang="en-AU"/>
           </a:p>
@@ -2931,7 +2933,7 @@
           <a:p>
             <a:fld id="{951B0501-9A75-415E-A6C5-B5D956769FEC}" type="datetimeFigureOut">
               <a:rPr lang="en-AU" smtClean="0"/>
-              <a:t>9/06/2022</a:t>
+              <a:t>14/06/2022</a:t>
             </a:fld>
             <a:endParaRPr lang="en-AU"/>
           </a:p>
@@ -4178,6 +4180,116 @@
                   <a:srgbClr val="0070C0"/>
                 </a:solidFill>
               </a:rPr>
+              <a:t>LAMP Data</a:t>
+            </a:r>
+            <a:endParaRPr lang="en-AU" sz="2800" dirty="0">
+              <a:solidFill>
+                <a:srgbClr val="0070C0"/>
+              </a:solidFill>
+            </a:endParaRPr>
+          </a:p>
+        </p:txBody>
+      </p:sp>
+      <p:pic>
+        <p:nvPicPr>
+          <p:cNvPr id="3" name="Picture 2" descr="Chart, line chart&#10;&#10;Description automatically generated">
+            <a:extLst>
+              <a:ext uri="{FF2B5EF4-FFF2-40B4-BE49-F238E27FC236}">
+                <a16:creationId xmlns:a16="http://schemas.microsoft.com/office/drawing/2014/main" id="{8A631D4C-FD17-0D7B-D632-51B49A486731}"/>
+              </a:ext>
+            </a:extLst>
+          </p:cNvPr>
+          <p:cNvPicPr>
+            <a:picLocks noChangeAspect="1"/>
+          </p:cNvPicPr>
+          <p:nvPr/>
+        </p:nvPicPr>
+        <p:blipFill>
+          <a:blip r:embed="rId2">
+            <a:extLst>
+              <a:ext uri="{28A0092B-C50C-407E-A947-70E740481C1C}">
+                <a14:useLocalDpi xmlns:a14="http://schemas.microsoft.com/office/drawing/2010/main" val="0"/>
+              </a:ext>
+            </a:extLst>
+          </a:blip>
+          <a:stretch>
+            <a:fillRect/>
+          </a:stretch>
+        </p:blipFill>
+        <p:spPr>
+          <a:xfrm>
+            <a:off x="2737925" y="1518408"/>
+            <a:ext cx="5874291" cy="3836014"/>
+          </a:xfrm>
+          <a:prstGeom prst="rect">
+            <a:avLst/>
+          </a:prstGeom>
+        </p:spPr>
+      </p:pic>
+    </p:spTree>
+    <p:extLst>
+      <p:ext uri="{BB962C8B-B14F-4D97-AF65-F5344CB8AC3E}">
+        <p14:creationId xmlns:p14="http://schemas.microsoft.com/office/powerpoint/2010/main" val="3109213710"/>
+      </p:ext>
+    </p:extLst>
+  </p:cSld>
+  <p:clrMapOvr>
+    <a:masterClrMapping/>
+  </p:clrMapOvr>
+</p:sld>
+</file>
+
+<file path=ppt/slides/slide3.xml><?xml version="1.0" encoding="utf-8"?>
+<p:sld xmlns:a="http://schemas.openxmlformats.org/drawingml/2006/main" xmlns:r="http://schemas.openxmlformats.org/officeDocument/2006/relationships" xmlns:p="http://schemas.openxmlformats.org/presentationml/2006/main">
+  <p:cSld>
+    <p:spTree>
+      <p:nvGrpSpPr>
+        <p:cNvPr id="1" name=""/>
+        <p:cNvGrpSpPr/>
+        <p:nvPr/>
+      </p:nvGrpSpPr>
+      <p:grpSpPr>
+        <a:xfrm>
+          <a:off x="0" y="0"/>
+          <a:ext cx="0" cy="0"/>
+          <a:chOff x="0" y="0"/>
+          <a:chExt cx="0" cy="0"/>
+        </a:xfrm>
+      </p:grpSpPr>
+      <p:sp>
+        <p:nvSpPr>
+          <p:cNvPr id="9" name="TextBox 8">
+            <a:extLst>
+              <a:ext uri="{FF2B5EF4-FFF2-40B4-BE49-F238E27FC236}">
+                <a16:creationId xmlns:a16="http://schemas.microsoft.com/office/drawing/2014/main" id="{ACF6D30E-E2B7-872B-97D0-101E8F867B6F}"/>
+              </a:ext>
+            </a:extLst>
+          </p:cNvPr>
+          <p:cNvSpPr txBox="1"/>
+          <p:nvPr/>
+        </p:nvSpPr>
+        <p:spPr>
+          <a:xfrm>
+            <a:off x="543302" y="184755"/>
+            <a:ext cx="5636588" cy="523220"/>
+          </a:xfrm>
+          <a:prstGeom prst="rect">
+            <a:avLst/>
+          </a:prstGeom>
+          <a:noFill/>
+        </p:spPr>
+        <p:txBody>
+          <a:bodyPr wrap="square" rtlCol="0">
+            <a:spAutoFit/>
+          </a:bodyPr>
+          <a:lstStyle/>
+          <a:p>
+            <a:r>
+              <a:rPr lang="en-US" sz="2800" dirty="0">
+                <a:solidFill>
+                  <a:srgbClr val="0070C0"/>
+                </a:solidFill>
+              </a:rPr>
               <a:t>LAMP</a:t>
             </a:r>
             <a:endParaRPr lang="en-AU" sz="2800" dirty="0">
@@ -4366,6 +4478,254 @@
     <p:extLst>
       <p:ext uri="{BB962C8B-B14F-4D97-AF65-F5344CB8AC3E}">
         <p14:creationId xmlns:p14="http://schemas.microsoft.com/office/powerpoint/2010/main" val="1361178758"/>
+      </p:ext>
+    </p:extLst>
+  </p:cSld>
+  <p:clrMapOvr>
+    <a:masterClrMapping/>
+  </p:clrMapOvr>
+</p:sld>
+</file>
+
+<file path=ppt/slides/slide4.xml><?xml version="1.0" encoding="utf-8"?>
+<p:sld xmlns:a="http://schemas.openxmlformats.org/drawingml/2006/main" xmlns:r="http://schemas.openxmlformats.org/officeDocument/2006/relationships" xmlns:p="http://schemas.openxmlformats.org/presentationml/2006/main">
+  <p:cSld>
+    <p:spTree>
+      <p:nvGrpSpPr>
+        <p:cNvPr id="1" name=""/>
+        <p:cNvGrpSpPr/>
+        <p:nvPr/>
+      </p:nvGrpSpPr>
+      <p:grpSpPr>
+        <a:xfrm>
+          <a:off x="0" y="0"/>
+          <a:ext cx="0" cy="0"/>
+          <a:chOff x="0" y="0"/>
+          <a:chExt cx="0" cy="0"/>
+        </a:xfrm>
+      </p:grpSpPr>
+      <p:sp>
+        <p:nvSpPr>
+          <p:cNvPr id="9" name="TextBox 8">
+            <a:extLst>
+              <a:ext uri="{FF2B5EF4-FFF2-40B4-BE49-F238E27FC236}">
+                <a16:creationId xmlns:a16="http://schemas.microsoft.com/office/drawing/2014/main" id="{ACF6D30E-E2B7-872B-97D0-101E8F867B6F}"/>
+              </a:ext>
+            </a:extLst>
+          </p:cNvPr>
+          <p:cNvSpPr txBox="1"/>
+          <p:nvPr/>
+        </p:nvSpPr>
+        <p:spPr>
+          <a:xfrm>
+            <a:off x="543302" y="184755"/>
+            <a:ext cx="5636588" cy="523220"/>
+          </a:xfrm>
+          <a:prstGeom prst="rect">
+            <a:avLst/>
+          </a:prstGeom>
+          <a:noFill/>
+        </p:spPr>
+        <p:txBody>
+          <a:bodyPr wrap="square" rtlCol="0">
+            <a:spAutoFit/>
+          </a:bodyPr>
+          <a:lstStyle/>
+          <a:p>
+            <a:r>
+              <a:rPr lang="en-US" sz="2800" dirty="0">
+                <a:solidFill>
+                  <a:srgbClr val="0070C0"/>
+                </a:solidFill>
+              </a:rPr>
+              <a:t>LAMP</a:t>
+            </a:r>
+            <a:endParaRPr lang="en-AU" sz="2800" dirty="0">
+              <a:solidFill>
+                <a:srgbClr val="0070C0"/>
+              </a:solidFill>
+            </a:endParaRPr>
+          </a:p>
+        </p:txBody>
+      </p:sp>
+      <p:sp>
+        <p:nvSpPr>
+          <p:cNvPr id="10" name="TextBox 9">
+            <a:extLst>
+              <a:ext uri="{FF2B5EF4-FFF2-40B4-BE49-F238E27FC236}">
+                <a16:creationId xmlns:a16="http://schemas.microsoft.com/office/drawing/2014/main" id="{979BD102-0A4B-BF43-16AC-4D04492CD2AE}"/>
+              </a:ext>
+            </a:extLst>
+          </p:cNvPr>
+          <p:cNvSpPr txBox="1"/>
+          <p:nvPr/>
+        </p:nvSpPr>
+        <p:spPr>
+          <a:xfrm>
+            <a:off x="8281191" y="2303245"/>
+            <a:ext cx="3076327" cy="3139321"/>
+          </a:xfrm>
+          <a:prstGeom prst="rect">
+            <a:avLst/>
+          </a:prstGeom>
+          <a:noFill/>
+        </p:spPr>
+        <p:txBody>
+          <a:bodyPr wrap="square" rtlCol="0">
+            <a:spAutoFit/>
+          </a:bodyPr>
+          <a:lstStyle/>
+          <a:p>
+            <a:r>
+              <a:rPr lang="en-US" b="1" dirty="0">
+                <a:solidFill>
+                  <a:srgbClr val="0070C0"/>
+                </a:solidFill>
+              </a:rPr>
+              <a:t>1:</a:t>
+            </a:r>
+            <a:r>
+              <a:rPr lang="en-US" dirty="0">
+                <a:solidFill>
+                  <a:srgbClr val="0070C0"/>
+                </a:solidFill>
+              </a:rPr>
+              <a:t> 1µl of purified DNA in 24µL of LAMP master</a:t>
+            </a:r>
+          </a:p>
+          <a:p>
+            <a:r>
+              <a:rPr lang="en-US" b="1" dirty="0">
+                <a:solidFill>
+                  <a:srgbClr val="0070C0"/>
+                </a:solidFill>
+              </a:rPr>
+              <a:t>2:</a:t>
+            </a:r>
+            <a:r>
+              <a:rPr lang="en-US" dirty="0">
+                <a:solidFill>
+                  <a:srgbClr val="0070C0"/>
+                </a:solidFill>
+              </a:rPr>
+              <a:t> 1µl of heat lysis DNA in 24µL of LAMP master</a:t>
+            </a:r>
+          </a:p>
+          <a:p>
+            <a:r>
+              <a:rPr lang="en-US" b="1" dirty="0">
+                <a:solidFill>
+                  <a:srgbClr val="0070C0"/>
+                </a:solidFill>
+              </a:rPr>
+              <a:t>3:</a:t>
+            </a:r>
+            <a:r>
+              <a:rPr lang="en-US" dirty="0">
+                <a:solidFill>
+                  <a:srgbClr val="0070C0"/>
+                </a:solidFill>
+              </a:rPr>
+              <a:t> 2µl of heat lysis DNA in 48µL of LAMP master</a:t>
+            </a:r>
+          </a:p>
+          <a:p>
+            <a:r>
+              <a:rPr lang="en-US" b="1" dirty="0">
+                <a:solidFill>
+                  <a:srgbClr val="0070C0"/>
+                </a:solidFill>
+              </a:rPr>
+              <a:t>4:</a:t>
+            </a:r>
+            <a:r>
+              <a:rPr lang="en-US" dirty="0">
+                <a:solidFill>
+                  <a:srgbClr val="0070C0"/>
+                </a:solidFill>
+              </a:rPr>
+              <a:t> 2µl of heat lysis DNA in 48µL of LAMP master</a:t>
+            </a:r>
+          </a:p>
+          <a:p>
+            <a:r>
+              <a:rPr lang="en-US" b="1" dirty="0">
+                <a:solidFill>
+                  <a:srgbClr val="0070C0"/>
+                </a:solidFill>
+              </a:rPr>
+              <a:t>5-7:</a:t>
+            </a:r>
+            <a:r>
+              <a:rPr lang="en-US" dirty="0">
+                <a:solidFill>
+                  <a:srgbClr val="0070C0"/>
+                </a:solidFill>
+              </a:rPr>
+              <a:t> Fluorescent LAMP mix</a:t>
+            </a:r>
+          </a:p>
+          <a:p>
+            <a:r>
+              <a:rPr lang="en-US" b="1" dirty="0">
+                <a:solidFill>
+                  <a:srgbClr val="0070C0"/>
+                </a:solidFill>
+              </a:rPr>
+              <a:t>8-10:</a:t>
+            </a:r>
+            <a:r>
+              <a:rPr lang="en-US" dirty="0">
+                <a:solidFill>
+                  <a:srgbClr val="0070C0"/>
+                </a:solidFill>
+              </a:rPr>
+              <a:t> Colorimetric LAMP mix</a:t>
+            </a:r>
+          </a:p>
+          <a:p>
+            <a:endParaRPr lang="en-US" dirty="0">
+              <a:solidFill>
+                <a:srgbClr val="0070C0"/>
+              </a:solidFill>
+            </a:endParaRPr>
+          </a:p>
+        </p:txBody>
+      </p:sp>
+      <p:pic>
+        <p:nvPicPr>
+          <p:cNvPr id="5" name="Picture 4">
+            <a:extLst>
+              <a:ext uri="{FF2B5EF4-FFF2-40B4-BE49-F238E27FC236}">
+                <a16:creationId xmlns:a16="http://schemas.microsoft.com/office/drawing/2014/main" id="{C2F6610B-0C08-25DD-3154-F6CC6B3926E5}"/>
+              </a:ext>
+            </a:extLst>
+          </p:cNvPr>
+          <p:cNvPicPr>
+            <a:picLocks noChangeAspect="1"/>
+          </p:cNvPicPr>
+          <p:nvPr/>
+        </p:nvPicPr>
+        <p:blipFill>
+          <a:blip r:embed="rId2"/>
+          <a:stretch>
+            <a:fillRect/>
+          </a:stretch>
+        </p:blipFill>
+        <p:spPr>
+          <a:xfrm>
+            <a:off x="309097" y="796954"/>
+            <a:ext cx="7972094" cy="5264092"/>
+          </a:xfrm>
+          <a:prstGeom prst="rect">
+            <a:avLst/>
+          </a:prstGeom>
+        </p:spPr>
+      </p:pic>
+    </p:spTree>
+    <p:extLst>
+      <p:ext uri="{BB962C8B-B14F-4D97-AF65-F5344CB8AC3E}">
+        <p14:creationId xmlns:p14="http://schemas.microsoft.com/office/powerpoint/2010/main" val="4221163288"/>
       </p:ext>
     </p:extLst>
   </p:cSld>

--- a/Presentations/LucianUpdate_19.6.22.pptx
+++ b/Presentations/LucianUpdate_19.6.22.pptx
@@ -5,10 +5,12 @@
     <p:sldMasterId id="2147483648" r:id="rId1"/>
   </p:sldMasterIdLst>
   <p:sldIdLst>
-    <p:sldId id="259" r:id="rId2"/>
-    <p:sldId id="261" r:id="rId3"/>
-    <p:sldId id="260" r:id="rId4"/>
-    <p:sldId id="262" r:id="rId5"/>
+    <p:sldId id="341" r:id="rId2"/>
+    <p:sldId id="338" r:id="rId3"/>
+    <p:sldId id="340" r:id="rId4"/>
+    <p:sldId id="337" r:id="rId5"/>
+    <p:sldId id="339" r:id="rId6"/>
+    <p:sldId id="342" r:id="rId7"/>
   </p:sldIdLst>
   <p:sldSz cx="12192000" cy="6858000"/>
   <p:notesSz cx="6858000" cy="9144000"/>
@@ -264,7 +266,7 @@
           <a:p>
             <a:fld id="{951B0501-9A75-415E-A6C5-B5D956769FEC}" type="datetimeFigureOut">
               <a:rPr lang="en-AU" smtClean="0"/>
-              <a:t>14/06/2022</a:t>
+              <a:t>16/06/2022</a:t>
             </a:fld>
             <a:endParaRPr lang="en-AU"/>
           </a:p>
@@ -464,7 +466,7 @@
           <a:p>
             <a:fld id="{951B0501-9A75-415E-A6C5-B5D956769FEC}" type="datetimeFigureOut">
               <a:rPr lang="en-AU" smtClean="0"/>
-              <a:t>14/06/2022</a:t>
+              <a:t>16/06/2022</a:t>
             </a:fld>
             <a:endParaRPr lang="en-AU"/>
           </a:p>
@@ -674,7 +676,7 @@
           <a:p>
             <a:fld id="{951B0501-9A75-415E-A6C5-B5D956769FEC}" type="datetimeFigureOut">
               <a:rPr lang="en-AU" smtClean="0"/>
-              <a:t>14/06/2022</a:t>
+              <a:t>16/06/2022</a:t>
             </a:fld>
             <a:endParaRPr lang="en-AU"/>
           </a:p>
@@ -738,6 +740,217 @@
     <p:extLst>
       <p:ext uri="{BB962C8B-B14F-4D97-AF65-F5344CB8AC3E}">
         <p14:creationId xmlns:p14="http://schemas.microsoft.com/office/powerpoint/2010/main" val="9827435"/>
+      </p:ext>
+    </p:extLst>
+  </p:cSld>
+  <p:clrMapOvr>
+    <a:masterClrMapping/>
+  </p:clrMapOvr>
+</p:sldLayout>
+</file>
+
+<file path=ppt/slideLayouts/slideLayout12.xml><?xml version="1.0" encoding="utf-8"?>
+<p:sldLayout xmlns:a="http://schemas.openxmlformats.org/drawingml/2006/main" xmlns:r="http://schemas.openxmlformats.org/officeDocument/2006/relationships" xmlns:p="http://schemas.openxmlformats.org/presentationml/2006/main" userDrawn="1">
+  <p:cSld name="Title, content, landscape photo">
+    <p:bg>
+      <p:bgPr>
+        <a:blipFill rotWithShape="1">
+          <a:blip r:embed="rId2"/>
+          <a:stretch>
+            <a:fillRect/>
+          </a:stretch>
+        </a:blipFill>
+        <a:effectLst/>
+      </p:bgPr>
+    </p:bg>
+    <p:spTree>
+      <p:nvGrpSpPr>
+        <p:cNvPr id="1" name=""/>
+        <p:cNvGrpSpPr/>
+        <p:nvPr/>
+      </p:nvGrpSpPr>
+      <p:grpSpPr>
+        <a:xfrm>
+          <a:off x="0" y="0"/>
+          <a:ext cx="0" cy="0"/>
+          <a:chOff x="0" y="0"/>
+          <a:chExt cx="0" cy="0"/>
+        </a:xfrm>
+      </p:grpSpPr>
+      <p:sp>
+        <p:nvSpPr>
+          <p:cNvPr id="2" name="Title 1"/>
+          <p:cNvSpPr>
+            <a:spLocks noGrp="1"/>
+          </p:cNvSpPr>
+          <p:nvPr>
+            <p:ph type="title" hasCustomPrompt="1"/>
+          </p:nvPr>
+        </p:nvSpPr>
+        <p:spPr>
+          <a:xfrm>
+            <a:off x="609600" y="1056001"/>
+            <a:ext cx="6519333" cy="758185"/>
+          </a:xfrm>
+        </p:spPr>
+        <p:txBody>
+          <a:bodyPr/>
+          <a:lstStyle/>
+          <a:p>
+            <a:r>
+              <a:rPr lang="en-AU" dirty="0"/>
+              <a:t>Click to edit heading</a:t>
+            </a:r>
+            <a:endParaRPr lang="en-US" dirty="0"/>
+          </a:p>
+        </p:txBody>
+      </p:sp>
+      <p:sp>
+        <p:nvSpPr>
+          <p:cNvPr id="3" name="Footer Placeholder 2"/>
+          <p:cNvSpPr>
+            <a:spLocks noGrp="1"/>
+          </p:cNvSpPr>
+          <p:nvPr>
+            <p:ph type="ftr" sz="quarter" idx="10"/>
+          </p:nvPr>
+        </p:nvSpPr>
+        <p:spPr/>
+        <p:txBody>
+          <a:bodyPr/>
+          <a:lstStyle/>
+          <a:p>
+            <a:r>
+              <a:rPr lang="en-US" dirty="0"/>
+              <a:t>Department name (Edit in View &gt; Header and Footer)</a:t>
+            </a:r>
+          </a:p>
+        </p:txBody>
+      </p:sp>
+      <p:sp>
+        <p:nvSpPr>
+          <p:cNvPr id="5" name="Text Placeholder 4"/>
+          <p:cNvSpPr>
+            <a:spLocks noGrp="1"/>
+          </p:cNvSpPr>
+          <p:nvPr>
+            <p:ph type="body" sz="quarter" idx="11"/>
+          </p:nvPr>
+        </p:nvSpPr>
+        <p:spPr>
+          <a:xfrm>
+            <a:off x="609600" y="1920001"/>
+            <a:ext cx="6519333" cy="3983567"/>
+          </a:xfrm>
+        </p:spPr>
+        <p:txBody>
+          <a:bodyPr/>
+          <a:lstStyle/>
+          <a:p>
+            <a:pPr lvl="0"/>
+            <a:r>
+              <a:rPr lang="en-AU" dirty="0"/>
+              <a:t>Click to edit Master text styles</a:t>
+            </a:r>
+          </a:p>
+          <a:p>
+            <a:pPr lvl="1"/>
+            <a:r>
+              <a:rPr lang="en-AU" dirty="0"/>
+              <a:t>Second level</a:t>
+            </a:r>
+          </a:p>
+          <a:p>
+            <a:pPr lvl="2"/>
+            <a:r>
+              <a:rPr lang="en-AU" dirty="0"/>
+              <a:t>Third level</a:t>
+            </a:r>
+          </a:p>
+          <a:p>
+            <a:pPr lvl="3"/>
+            <a:r>
+              <a:rPr lang="en-AU" dirty="0"/>
+              <a:t>Fourth level</a:t>
+            </a:r>
+          </a:p>
+          <a:p>
+            <a:pPr lvl="4"/>
+            <a:r>
+              <a:rPr lang="en-AU" dirty="0"/>
+              <a:t>Fifth level</a:t>
+            </a:r>
+            <a:endParaRPr lang="en-US" dirty="0"/>
+          </a:p>
+        </p:txBody>
+      </p:sp>
+      <p:sp>
+        <p:nvSpPr>
+          <p:cNvPr id="8" name="Text Placeholder 7"/>
+          <p:cNvSpPr>
+            <a:spLocks noGrp="1"/>
+          </p:cNvSpPr>
+          <p:nvPr>
+            <p:ph type="body" sz="quarter" idx="12" hasCustomPrompt="1"/>
+          </p:nvPr>
+        </p:nvSpPr>
+        <p:spPr>
+          <a:xfrm>
+            <a:off x="7738533" y="3780016"/>
+            <a:ext cx="3996267" cy="349249"/>
+          </a:xfrm>
+        </p:spPr>
+        <p:txBody>
+          <a:bodyPr>
+            <a:normAutofit/>
+          </a:bodyPr>
+          <a:lstStyle>
+            <a:lvl1pPr marL="0" indent="0">
+              <a:buNone/>
+              <a:defRPr sz="1333" baseline="0">
+                <a:solidFill>
+                  <a:srgbClr val="7F7F7F"/>
+                </a:solidFill>
+              </a:defRPr>
+            </a:lvl1pPr>
+          </a:lstStyle>
+          <a:p>
+            <a:pPr lvl="0"/>
+            <a:r>
+              <a:rPr lang="en-US" dirty="0"/>
+              <a:t>Image label – delete if not required</a:t>
+            </a:r>
+          </a:p>
+        </p:txBody>
+      </p:sp>
+      <p:sp>
+        <p:nvSpPr>
+          <p:cNvPr id="10" name="Picture Placeholder 9"/>
+          <p:cNvSpPr>
+            <a:spLocks noGrp="1"/>
+          </p:cNvSpPr>
+          <p:nvPr>
+            <p:ph type="pic" sz="quarter" idx="13"/>
+          </p:nvPr>
+        </p:nvSpPr>
+        <p:spPr>
+          <a:xfrm>
+            <a:off x="7738533" y="1107723"/>
+            <a:ext cx="3996267" cy="2664884"/>
+          </a:xfrm>
+        </p:spPr>
+        <p:txBody>
+          <a:bodyPr/>
+          <a:lstStyle/>
+          <a:p>
+            <a:endParaRPr lang="en-US" dirty="0"/>
+          </a:p>
+        </p:txBody>
+      </p:sp>
+    </p:spTree>
+    <p:extLst>
+      <p:ext uri="{BB962C8B-B14F-4D97-AF65-F5344CB8AC3E}">
+        <p14:creationId xmlns:p14="http://schemas.microsoft.com/office/powerpoint/2010/main" val="2536730314"/>
       </p:ext>
     </p:extLst>
   </p:cSld>
@@ -874,7 +1087,7 @@
           <a:p>
             <a:fld id="{951B0501-9A75-415E-A6C5-B5D956769FEC}" type="datetimeFigureOut">
               <a:rPr lang="en-AU" smtClean="0"/>
-              <a:t>14/06/2022</a:t>
+              <a:t>16/06/2022</a:t>
             </a:fld>
             <a:endParaRPr lang="en-AU"/>
           </a:p>
@@ -1150,7 +1363,7 @@
           <a:p>
             <a:fld id="{951B0501-9A75-415E-A6C5-B5D956769FEC}" type="datetimeFigureOut">
               <a:rPr lang="en-AU" smtClean="0"/>
-              <a:t>14/06/2022</a:t>
+              <a:t>16/06/2022</a:t>
             </a:fld>
             <a:endParaRPr lang="en-AU"/>
           </a:p>
@@ -1418,7 +1631,7 @@
           <a:p>
             <a:fld id="{951B0501-9A75-415E-A6C5-B5D956769FEC}" type="datetimeFigureOut">
               <a:rPr lang="en-AU" smtClean="0"/>
-              <a:t>14/06/2022</a:t>
+              <a:t>16/06/2022</a:t>
             </a:fld>
             <a:endParaRPr lang="en-AU"/>
           </a:p>
@@ -1833,7 +2046,7 @@
           <a:p>
             <a:fld id="{951B0501-9A75-415E-A6C5-B5D956769FEC}" type="datetimeFigureOut">
               <a:rPr lang="en-AU" smtClean="0"/>
-              <a:t>14/06/2022</a:t>
+              <a:t>16/06/2022</a:t>
             </a:fld>
             <a:endParaRPr lang="en-AU"/>
           </a:p>
@@ -1975,7 +2188,7 @@
           <a:p>
             <a:fld id="{951B0501-9A75-415E-A6C5-B5D956769FEC}" type="datetimeFigureOut">
               <a:rPr lang="en-AU" smtClean="0"/>
-              <a:t>14/06/2022</a:t>
+              <a:t>16/06/2022</a:t>
             </a:fld>
             <a:endParaRPr lang="en-AU"/>
           </a:p>
@@ -2088,7 +2301,7 @@
           <a:p>
             <a:fld id="{951B0501-9A75-415E-A6C5-B5D956769FEC}" type="datetimeFigureOut">
               <a:rPr lang="en-AU" smtClean="0"/>
-              <a:t>14/06/2022</a:t>
+              <a:t>16/06/2022</a:t>
             </a:fld>
             <a:endParaRPr lang="en-AU"/>
           </a:p>
@@ -2401,7 +2614,7 @@
           <a:p>
             <a:fld id="{951B0501-9A75-415E-A6C5-B5D956769FEC}" type="datetimeFigureOut">
               <a:rPr lang="en-AU" smtClean="0"/>
-              <a:t>14/06/2022</a:t>
+              <a:t>16/06/2022</a:t>
             </a:fld>
             <a:endParaRPr lang="en-AU"/>
           </a:p>
@@ -2690,7 +2903,7 @@
           <a:p>
             <a:fld id="{951B0501-9A75-415E-A6C5-B5D956769FEC}" type="datetimeFigureOut">
               <a:rPr lang="en-AU" smtClean="0"/>
-              <a:t>14/06/2022</a:t>
+              <a:t>16/06/2022</a:t>
             </a:fld>
             <a:endParaRPr lang="en-AU"/>
           </a:p>
@@ -2933,7 +3146,7 @@
           <a:p>
             <a:fld id="{951B0501-9A75-415E-A6C5-B5D956769FEC}" type="datetimeFigureOut">
               <a:rPr lang="en-AU" smtClean="0"/>
-              <a:t>14/06/2022</a:t>
+              <a:t>16/06/2022</a:t>
             </a:fld>
             <a:endParaRPr lang="en-AU"/>
           </a:p>
@@ -3049,6 +3262,7 @@
     <p:sldLayoutId id="2147483657" r:id="rId9"/>
     <p:sldLayoutId id="2147483658" r:id="rId10"/>
     <p:sldLayoutId id="2147483659" r:id="rId11"/>
+    <p:sldLayoutId id="2147483660" r:id="rId12"/>
   </p:sldLayoutIdLst>
   <p:txStyles>
     <p:titleStyle>
@@ -3352,43 +3566,46 @@
       </p:grpSpPr>
       <p:sp>
         <p:nvSpPr>
-          <p:cNvPr id="9" name="TextBox 8">
-            <a:extLst>
-              <a:ext uri="{FF2B5EF4-FFF2-40B4-BE49-F238E27FC236}">
-                <a16:creationId xmlns:a16="http://schemas.microsoft.com/office/drawing/2014/main" id="{ACF6D30E-E2B7-872B-97D0-101E8F867B6F}"/>
-              </a:ext>
-            </a:extLst>
-          </p:cNvPr>
-          <p:cNvSpPr txBox="1"/>
+          <p:cNvPr id="8" name="Title 1"/>
+          <p:cNvSpPr txBox="1">
+            <a:spLocks/>
+          </p:cNvSpPr>
           <p:nvPr/>
         </p:nvSpPr>
-        <p:spPr>
-          <a:xfrm>
-            <a:off x="543302" y="184755"/>
-            <a:ext cx="5636588" cy="523220"/>
+        <p:spPr bwMode="auto">
+          <a:xfrm>
+            <a:off x="110787" y="-588"/>
+            <a:ext cx="8473376" cy="812800"/>
           </a:xfrm>
           <a:prstGeom prst="rect">
             <a:avLst/>
           </a:prstGeom>
           <a:noFill/>
-        </p:spPr>
-        <p:txBody>
-          <a:bodyPr wrap="square" rtlCol="0">
-            <a:spAutoFit/>
-          </a:bodyPr>
-          <a:lstStyle/>
-          <a:p>
-            <a:r>
-              <a:rPr lang="en-US" sz="2800" dirty="0">
+          <a:ln w="9525">
+            <a:noFill/>
+            <a:miter lim="800000"/>
+            <a:headEnd/>
+            <a:tailEnd/>
+          </a:ln>
+        </p:spPr>
+        <p:txBody>
+          <a:bodyPr/>
+          <a:lstStyle/>
+          <a:p>
+            <a:pPr>
+              <a:defRPr/>
+            </a:pPr>
+            <a:r>
+              <a:rPr lang="en-US" sz="4267" dirty="0">
                 <a:solidFill>
-                  <a:srgbClr val="0070C0"/>
+                  <a:schemeClr val="bg1"/>
                 </a:solidFill>
               </a:rPr>
-              <a:t>LAMP</a:t>
-            </a:r>
-            <a:endParaRPr lang="en-AU" sz="2800" dirty="0">
+              <a:t>Portable on-farm device for RSD</a:t>
+            </a:r>
+            <a:endParaRPr lang="en-US" sz="4267" baseline="30000" dirty="0">
               <a:solidFill>
-                <a:srgbClr val="0070C0"/>
+                <a:schemeClr val="bg1"/>
               </a:solidFill>
             </a:endParaRPr>
           </a:p>
@@ -3396,100 +3613,49 @@
       </p:sp>
       <p:sp>
         <p:nvSpPr>
-          <p:cNvPr id="10" name="TextBox 9">
-            <a:extLst>
-              <a:ext uri="{FF2B5EF4-FFF2-40B4-BE49-F238E27FC236}">
-                <a16:creationId xmlns:a16="http://schemas.microsoft.com/office/drawing/2014/main" id="{979BD102-0A4B-BF43-16AC-4D04492CD2AE}"/>
-              </a:ext>
-            </a:extLst>
-          </p:cNvPr>
-          <p:cNvSpPr txBox="1"/>
-          <p:nvPr/>
-        </p:nvSpPr>
-        <p:spPr>
-          <a:xfrm>
-            <a:off x="5629169" y="4421295"/>
-            <a:ext cx="4404064" cy="2031325"/>
-          </a:xfrm>
-          <a:prstGeom prst="rect">
-            <a:avLst/>
-          </a:prstGeom>
-          <a:noFill/>
-        </p:spPr>
-        <p:txBody>
-          <a:bodyPr wrap="square" rtlCol="0">
-            <a:spAutoFit/>
-          </a:bodyPr>
-          <a:lstStyle/>
-          <a:p>
-            <a:r>
-              <a:rPr lang="en-US" b="1" dirty="0">
+          <p:cNvPr id="12" name="Footer Placeholder 3">
+            <a:extLst>
+              <a:ext uri="{FF2B5EF4-FFF2-40B4-BE49-F238E27FC236}">
+                <a16:creationId xmlns:a16="http://schemas.microsoft.com/office/drawing/2014/main" id="{516D6590-F192-48BE-95CC-12A9ED59BC78}"/>
+              </a:ext>
+            </a:extLst>
+          </p:cNvPr>
+          <p:cNvSpPr>
+            <a:spLocks noGrp="1"/>
+          </p:cNvSpPr>
+          <p:nvPr>
+            <p:ph type="ftr" sz="quarter" idx="10"/>
+          </p:nvPr>
+        </p:nvSpPr>
+        <p:spPr>
+          <a:xfrm>
+            <a:off x="46893" y="6491818"/>
+            <a:ext cx="1484195" cy="366183"/>
+          </a:xfrm>
+        </p:spPr>
+        <p:txBody>
+          <a:bodyPr/>
+          <a:lstStyle/>
+          <a:p>
+            <a:r>
+              <a:rPr lang="en-AU" sz="1067" dirty="0">
                 <a:solidFill>
-                  <a:srgbClr val="0070C0"/>
+                  <a:schemeClr val="accent6">
+                    <a:lumMod val="75000"/>
+                  </a:schemeClr>
                 </a:solidFill>
               </a:rPr>
-              <a:t>1-3:</a:t>
-            </a:r>
-            <a:r>
-              <a:rPr lang="en-US" dirty="0">
-                <a:solidFill>
-                  <a:srgbClr val="0070C0"/>
-                </a:solidFill>
-              </a:rPr>
-              <a:t> 1µl of heat lysis DNA in 24µL of LAMP master at 20,30,40mins respectively</a:t>
-            </a:r>
-          </a:p>
-          <a:p>
-            <a:r>
-              <a:rPr lang="en-US" b="1" dirty="0">
-                <a:solidFill>
-                  <a:srgbClr val="0070C0"/>
-                </a:solidFill>
-              </a:rPr>
-              <a:t>4-6:</a:t>
-            </a:r>
-            <a:r>
-              <a:rPr lang="en-US" dirty="0">
-                <a:solidFill>
-                  <a:srgbClr val="0070C0"/>
-                </a:solidFill>
-              </a:rPr>
-              <a:t> 1µl of purified DNA in 24µL of LAMP master at 20,30,40mins respectively</a:t>
-            </a:r>
-          </a:p>
-          <a:p>
-            <a:r>
-              <a:rPr lang="en-US" b="1" dirty="0">
-                <a:solidFill>
-                  <a:srgbClr val="0070C0"/>
-                </a:solidFill>
-              </a:rPr>
-              <a:t>7-8:</a:t>
-            </a:r>
-            <a:r>
-              <a:rPr lang="en-US" dirty="0">
-                <a:solidFill>
-                  <a:srgbClr val="0070C0"/>
-                </a:solidFill>
-              </a:rPr>
-              <a:t> 2µl of purified DNA in 48µL of LAMP master at 30mins</a:t>
-            </a:r>
-          </a:p>
-          <a:p>
-            <a:endParaRPr lang="en-US" dirty="0">
-              <a:solidFill>
-                <a:srgbClr val="0070C0"/>
-              </a:solidFill>
-            </a:endParaRPr>
+              <a:t>https://shiddiky.com</a:t>
+            </a:r>
           </a:p>
         </p:txBody>
       </p:sp>
       <p:pic>
         <p:nvPicPr>
-          <p:cNvPr id="8" name="Picture 7" descr="A picture containing text, dirty&#10;&#10;Description automatically generated">
-            <a:extLst>
-              <a:ext uri="{FF2B5EF4-FFF2-40B4-BE49-F238E27FC236}">
-                <a16:creationId xmlns:a16="http://schemas.microsoft.com/office/drawing/2014/main" id="{F451BC6A-7B15-EACA-79CE-D68890459925}"/>
+          <p:cNvPr id="11" name="Picture 10" descr="A picture containing text, electronics, projector&#10;&#10;Description automatically generated">
+            <a:extLst>
+              <a:ext uri="{FF2B5EF4-FFF2-40B4-BE49-F238E27FC236}">
+                <a16:creationId xmlns:a16="http://schemas.microsoft.com/office/drawing/2014/main" id="{D2E00608-4085-A2E4-734B-FB7259FA8D58}"/>
               </a:ext>
             </a:extLst>
           </p:cNvPr>
@@ -3506,13 +3672,13 @@
               </a:ext>
             </a:extLst>
           </a:blip>
-          <a:srcRect l="28025" t="20006" r="24937" b="28551"/>
+          <a:srcRect t="21953" r="1111" b="24579"/>
           <a:stretch/>
         </p:blipFill>
         <p:spPr>
           <a:xfrm>
-            <a:off x="850905" y="884761"/>
-            <a:ext cx="1493600" cy="2919213"/>
+            <a:off x="1696370" y="3771621"/>
+            <a:ext cx="5132268" cy="2774954"/>
           </a:xfrm>
           <a:prstGeom prst="rect">
             <a:avLst/>
@@ -3521,10 +3687,10 @@
       </p:pic>
       <p:pic>
         <p:nvPicPr>
-          <p:cNvPr id="12" name="Picture 11" descr="A picture containing text&#10;&#10;Description automatically generated">
-            <a:extLst>
-              <a:ext uri="{FF2B5EF4-FFF2-40B4-BE49-F238E27FC236}">
-                <a16:creationId xmlns:a16="http://schemas.microsoft.com/office/drawing/2014/main" id="{A4961252-AAAA-9EBC-D0FC-E75BAE380867}"/>
+          <p:cNvPr id="13" name="Picture 12">
+            <a:extLst>
+              <a:ext uri="{FF2B5EF4-FFF2-40B4-BE49-F238E27FC236}">
+                <a16:creationId xmlns:a16="http://schemas.microsoft.com/office/drawing/2014/main" id="{F9A233A3-9260-A3A5-AA40-99C550674E96}"/>
               </a:ext>
             </a:extLst>
           </p:cNvPr>
@@ -3541,25 +3707,70 @@
               </a:ext>
             </a:extLst>
           </a:blip>
-          <a:srcRect l="17719" t="16462" r="35374" b="33060"/>
+          <a:srcRect l="6499" t="18182" r="841" b="37643"/>
           <a:stretch/>
         </p:blipFill>
         <p:spPr>
           <a:xfrm>
-            <a:off x="2235404" y="884761"/>
-            <a:ext cx="1568220" cy="2992211"/>
+            <a:off x="7111255" y="2330567"/>
+            <a:ext cx="5000905" cy="2384153"/>
           </a:xfrm>
           <a:prstGeom prst="rect">
             <a:avLst/>
           </a:prstGeom>
+          <a:ln w="28575">
+            <a:solidFill>
+              <a:srgbClr val="FF0000"/>
+            </a:solidFill>
+          </a:ln>
         </p:spPr>
       </p:pic>
+      <p:sp>
+        <p:nvSpPr>
+          <p:cNvPr id="14" name="Rectangle 13">
+            <a:extLst>
+              <a:ext uri="{FF2B5EF4-FFF2-40B4-BE49-F238E27FC236}">
+                <a16:creationId xmlns:a16="http://schemas.microsoft.com/office/drawing/2014/main" id="{5B0FEFBA-6F37-AF99-806E-8C337D6FC2EF}"/>
+              </a:ext>
+            </a:extLst>
+          </p:cNvPr>
+          <p:cNvSpPr/>
+          <p:nvPr/>
+        </p:nvSpPr>
+        <p:spPr>
+          <a:xfrm>
+            <a:off x="5396073" y="1187262"/>
+            <a:ext cx="6145443" cy="707886"/>
+          </a:xfrm>
+          <a:prstGeom prst="rect">
+            <a:avLst/>
+          </a:prstGeom>
+        </p:spPr>
+        <p:txBody>
+          <a:bodyPr wrap="square">
+            <a:spAutoFit/>
+          </a:bodyPr>
+          <a:lstStyle/>
+          <a:p>
+            <a:r>
+              <a:rPr lang="en-US" sz="2000" dirty="0">
+                <a:solidFill>
+                  <a:srgbClr val="003399"/>
+                </a:solidFill>
+                <a:latin typeface="Arial" panose="020B0604020202020204" pitchFamily="34" charset="0"/>
+                <a:cs typeface="Arial" panose="020B0604020202020204" pitchFamily="34" charset="0"/>
+              </a:rPr>
+              <a:t>“One device to get diagnostic results for RSD, Leaf Scald and other sugarcane diseases”</a:t>
+            </a:r>
+          </a:p>
+        </p:txBody>
+      </p:sp>
       <p:pic>
         <p:nvPicPr>
-          <p:cNvPr id="14" name="Picture 13" descr="A picture containing text&#10;&#10;Description automatically generated">
-            <a:extLst>
-              <a:ext uri="{FF2B5EF4-FFF2-40B4-BE49-F238E27FC236}">
-                <a16:creationId xmlns:a16="http://schemas.microsoft.com/office/drawing/2014/main" id="{217FED90-3603-4D99-6172-9F150CE65751}"/>
+          <p:cNvPr id="7" name="Picture 6" descr="A ladybug on a flower&#10;&#10;Description automatically generated with low confidence">
+            <a:extLst>
+              <a:ext uri="{FF2B5EF4-FFF2-40B4-BE49-F238E27FC236}">
+                <a16:creationId xmlns:a16="http://schemas.microsoft.com/office/drawing/2014/main" id="{12D2A86E-D3B5-EF11-9F69-D5B16EEEA2C3}"/>
               </a:ext>
             </a:extLst>
           </p:cNvPr>
@@ -3568,7 +3779,7 @@
           </p:cNvPicPr>
           <p:nvPr/>
         </p:nvPicPr>
-        <p:blipFill rotWithShape="1">
+        <p:blipFill>
           <a:blip r:embed="rId4">
             <a:extLst>
               <a:ext uri="{28A0092B-C50C-407E-A947-70E740481C1C}">
@@ -3576,550 +3787,209 @@
               </a:ext>
             </a:extLst>
           </a:blip>
-          <a:srcRect l="20255" t="17715" r="37330" b="37687"/>
-          <a:stretch/>
+          <a:stretch>
+            <a:fillRect/>
+          </a:stretch>
         </p:blipFill>
         <p:spPr>
           <a:xfrm>
-            <a:off x="3654839" y="884761"/>
-            <a:ext cx="1553508" cy="2919213"/>
+            <a:off x="110786" y="729842"/>
+            <a:ext cx="5599023" cy="5599023"/>
           </a:xfrm>
           <a:prstGeom prst="rect">
             <a:avLst/>
           </a:prstGeom>
         </p:spPr>
       </p:pic>
-      <p:pic>
-        <p:nvPicPr>
-          <p:cNvPr id="16" name="Picture 15" descr="A close-up of a cigarette&#10;&#10;Description automatically generated with low confidence">
-            <a:extLst>
-              <a:ext uri="{FF2B5EF4-FFF2-40B4-BE49-F238E27FC236}">
-                <a16:creationId xmlns:a16="http://schemas.microsoft.com/office/drawing/2014/main" id="{79F14F17-2FD5-FC67-26C1-15C5E6948E19}"/>
-              </a:ext>
-            </a:extLst>
-          </p:cNvPr>
-          <p:cNvPicPr>
-            <a:picLocks noChangeAspect="1"/>
-          </p:cNvPicPr>
+      <p:sp>
+        <p:nvSpPr>
+          <p:cNvPr id="28" name="Arrow: Down 27">
+            <a:extLst>
+              <a:ext uri="{FF2B5EF4-FFF2-40B4-BE49-F238E27FC236}">
+                <a16:creationId xmlns:a16="http://schemas.microsoft.com/office/drawing/2014/main" id="{A0F1A3D7-9EDF-3B45-08FA-7C22553988F6}"/>
+              </a:ext>
+            </a:extLst>
+          </p:cNvPr>
+          <p:cNvSpPr/>
           <p:nvPr/>
-        </p:nvPicPr>
-        <p:blipFill rotWithShape="1">
-          <a:blip r:embed="rId5">
-            <a:extLst>
-              <a:ext uri="{28A0092B-C50C-407E-A947-70E740481C1C}">
-                <a14:useLocalDpi xmlns:a14="http://schemas.microsoft.com/office/drawing/2010/main" val="0"/>
-              </a:ext>
-            </a:extLst>
-          </a:blip>
-          <a:srcRect l="23417" t="15290" r="24794" b="29932"/>
-          <a:stretch/>
-        </p:blipFill>
-        <p:spPr>
-          <a:xfrm>
-            <a:off x="850905" y="3803974"/>
-            <a:ext cx="1533283" cy="2898225"/>
-          </a:xfrm>
-          <a:prstGeom prst="rect">
+        </p:nvSpPr>
+        <p:spPr>
+          <a:xfrm>
+            <a:off x="4001549" y="3129094"/>
+            <a:ext cx="491918" cy="812800"/>
+          </a:xfrm>
+          <a:prstGeom prst="downArrow">
             <a:avLst/>
           </a:prstGeom>
         </p:spPr>
-      </p:pic>
-      <p:pic>
-        <p:nvPicPr>
-          <p:cNvPr id="18" name="Picture 17">
-            <a:extLst>
-              <a:ext uri="{FF2B5EF4-FFF2-40B4-BE49-F238E27FC236}">
-                <a16:creationId xmlns:a16="http://schemas.microsoft.com/office/drawing/2014/main" id="{80687409-FCB1-78B7-2568-9C1CC7A73087}"/>
-              </a:ext>
-            </a:extLst>
-          </p:cNvPr>
-          <p:cNvPicPr>
-            <a:picLocks noChangeAspect="1"/>
-          </p:cNvPicPr>
+        <p:style>
+          <a:lnRef idx="2">
+            <a:schemeClr val="accent1">
+              <a:shade val="50000"/>
+            </a:schemeClr>
+          </a:lnRef>
+          <a:fillRef idx="1">
+            <a:schemeClr val="accent1"/>
+          </a:fillRef>
+          <a:effectRef idx="0">
+            <a:schemeClr val="accent1"/>
+          </a:effectRef>
+          <a:fontRef idx="minor">
+            <a:schemeClr val="lt1"/>
+          </a:fontRef>
+        </p:style>
+        <p:txBody>
+          <a:bodyPr rtlCol="0" anchor="ctr"/>
+          <a:lstStyle/>
+          <a:p>
+            <a:pPr algn="ctr"/>
+            <a:endParaRPr lang="en-AU"/>
+          </a:p>
+        </p:txBody>
+      </p:sp>
+      <p:sp>
+        <p:nvSpPr>
+          <p:cNvPr id="30" name="Oval 29">
+            <a:extLst>
+              <a:ext uri="{FF2B5EF4-FFF2-40B4-BE49-F238E27FC236}">
+                <a16:creationId xmlns:a16="http://schemas.microsoft.com/office/drawing/2014/main" id="{35DD1CD8-B6BE-A09D-FEBC-1483D8EDEE43}"/>
+              </a:ext>
+            </a:extLst>
+          </p:cNvPr>
+          <p:cNvSpPr/>
           <p:nvPr/>
-        </p:nvPicPr>
-        <p:blipFill rotWithShape="1">
-          <a:blip r:embed="rId6">
-            <a:extLst>
-              <a:ext uri="{28A0092B-C50C-407E-A947-70E740481C1C}">
-                <a14:useLocalDpi xmlns:a14="http://schemas.microsoft.com/office/drawing/2010/main" val="0"/>
-              </a:ext>
-            </a:extLst>
-          </a:blip>
-          <a:srcRect l="17962" t="12517" r="33677" b="29021"/>
-          <a:stretch/>
-        </p:blipFill>
-        <p:spPr>
-          <a:xfrm>
-            <a:off x="2384189" y="3803974"/>
-            <a:ext cx="1341560" cy="2898225"/>
-          </a:xfrm>
-          <a:prstGeom prst="rect">
-            <a:avLst/>
-          </a:prstGeom>
-        </p:spPr>
-      </p:pic>
-      <p:pic>
-        <p:nvPicPr>
-          <p:cNvPr id="20" name="Picture 19" descr="A picture containing tableware, cup&#10;&#10;Description automatically generated">
-            <a:extLst>
-              <a:ext uri="{FF2B5EF4-FFF2-40B4-BE49-F238E27FC236}">
-                <a16:creationId xmlns:a16="http://schemas.microsoft.com/office/drawing/2014/main" id="{64FD7937-CFDA-166B-3556-1F0099EA1315}"/>
-              </a:ext>
-            </a:extLst>
-          </p:cNvPr>
-          <p:cNvPicPr>
-            <a:picLocks noChangeAspect="1"/>
-          </p:cNvPicPr>
-          <p:nvPr/>
-        </p:nvPicPr>
-        <p:blipFill rotWithShape="1">
-          <a:blip r:embed="rId7">
-            <a:extLst>
-              <a:ext uri="{28A0092B-C50C-407E-A947-70E740481C1C}">
-                <a14:useLocalDpi xmlns:a14="http://schemas.microsoft.com/office/drawing/2010/main" val="0"/>
-              </a:ext>
-            </a:extLst>
-          </a:blip>
-          <a:srcRect l="29210" t="11858" r="24837" b="36025"/>
-          <a:stretch/>
-        </p:blipFill>
-        <p:spPr>
-          <a:xfrm>
-            <a:off x="3725749" y="3803974"/>
-            <a:ext cx="1429945" cy="2898225"/>
-          </a:xfrm>
-          <a:prstGeom prst="rect">
-            <a:avLst/>
-          </a:prstGeom>
-        </p:spPr>
-      </p:pic>
-      <p:sp>
-        <p:nvSpPr>
-          <p:cNvPr id="21" name="TextBox 20">
-            <a:extLst>
-              <a:ext uri="{FF2B5EF4-FFF2-40B4-BE49-F238E27FC236}">
-                <a16:creationId xmlns:a16="http://schemas.microsoft.com/office/drawing/2014/main" id="{43A977F3-7F7D-2086-D7EF-35B954F9D3FE}"/>
-              </a:ext>
-            </a:extLst>
-          </p:cNvPr>
-          <p:cNvSpPr txBox="1"/>
-          <p:nvPr/>
-        </p:nvSpPr>
-        <p:spPr>
-          <a:xfrm>
-            <a:off x="811221" y="884761"/>
-            <a:ext cx="436227" cy="400110"/>
-          </a:xfrm>
-          <a:prstGeom prst="rect">
+        </p:nvSpPr>
+        <p:spPr>
+          <a:xfrm>
+            <a:off x="3477234" y="4876946"/>
+            <a:ext cx="1600019" cy="1451919"/>
+          </a:xfrm>
+          <a:prstGeom prst="ellipse">
             <a:avLst/>
           </a:prstGeom>
           <a:noFill/>
-        </p:spPr>
-        <p:txBody>
-          <a:bodyPr wrap="square" rtlCol="0">
-            <a:spAutoFit/>
-          </a:bodyPr>
-          <a:lstStyle/>
-          <a:p>
-            <a:r>
-              <a:rPr lang="en-US" sz="2000" dirty="0">
-                <a:solidFill>
-                  <a:srgbClr val="FF0000"/>
-                </a:solidFill>
-              </a:rPr>
-              <a:t>1</a:t>
-            </a:r>
-            <a:endParaRPr lang="en-AU" sz="1600" dirty="0">
-              <a:solidFill>
-                <a:srgbClr val="FF0000"/>
-              </a:solidFill>
-            </a:endParaRPr>
-          </a:p>
-        </p:txBody>
-      </p:sp>
-      <p:sp>
-        <p:nvSpPr>
-          <p:cNvPr id="22" name="TextBox 21">
-            <a:extLst>
-              <a:ext uri="{FF2B5EF4-FFF2-40B4-BE49-F238E27FC236}">
-                <a16:creationId xmlns:a16="http://schemas.microsoft.com/office/drawing/2014/main" id="{40F6FB6E-500A-DCAC-98B8-9A2E474388CA}"/>
-              </a:ext>
-            </a:extLst>
-          </p:cNvPr>
-          <p:cNvSpPr txBox="1"/>
+          <a:ln w="38100">
+            <a:solidFill>
+              <a:srgbClr val="FF0000"/>
+            </a:solidFill>
+            <a:prstDash val="lgDash"/>
+          </a:ln>
+        </p:spPr>
+        <p:style>
+          <a:lnRef idx="2">
+            <a:schemeClr val="accent1">
+              <a:shade val="50000"/>
+            </a:schemeClr>
+          </a:lnRef>
+          <a:fillRef idx="1">
+            <a:schemeClr val="accent1"/>
+          </a:fillRef>
+          <a:effectRef idx="0">
+            <a:schemeClr val="accent1"/>
+          </a:effectRef>
+          <a:fontRef idx="minor">
+            <a:schemeClr val="lt1"/>
+          </a:fontRef>
+        </p:style>
+        <p:txBody>
+          <a:bodyPr rtlCol="0" anchor="ctr"/>
+          <a:lstStyle/>
+          <a:p>
+            <a:pPr algn="ctr"/>
+            <a:endParaRPr lang="en-AU"/>
+          </a:p>
+        </p:txBody>
+      </p:sp>
+      <p:cxnSp>
+        <p:nvCxnSpPr>
+          <p:cNvPr id="32" name="Straight Connector 31">
+            <a:extLst>
+              <a:ext uri="{FF2B5EF4-FFF2-40B4-BE49-F238E27FC236}">
+                <a16:creationId xmlns:a16="http://schemas.microsoft.com/office/drawing/2014/main" id="{EDA8A3DD-591D-6B33-F0CB-EE91DDFCB095}"/>
+              </a:ext>
+            </a:extLst>
+          </p:cNvPr>
+          <p:cNvCxnSpPr>
+            <a:cxnSpLocks/>
+          </p:cNvCxnSpPr>
           <p:nvPr/>
-        </p:nvSpPr>
-        <p:spPr>
-          <a:xfrm>
-            <a:off x="2299984" y="884761"/>
-            <a:ext cx="436227" cy="400110"/>
-          </a:xfrm>
-          <a:prstGeom prst="rect">
+        </p:nvCxnSpPr>
+        <p:spPr>
+          <a:xfrm flipV="1">
+            <a:off x="4932727" y="2310847"/>
+            <a:ext cx="2178528" cy="2856655"/>
+          </a:xfrm>
+          <a:prstGeom prst="line">
             <a:avLst/>
           </a:prstGeom>
-          <a:noFill/>
-        </p:spPr>
-        <p:txBody>
-          <a:bodyPr wrap="square" rtlCol="0">
-            <a:spAutoFit/>
-          </a:bodyPr>
-          <a:lstStyle/>
-          <a:p>
-            <a:r>
-              <a:rPr lang="en-US" sz="2000" dirty="0">
-                <a:solidFill>
-                  <a:srgbClr val="FF0000"/>
-                </a:solidFill>
-              </a:rPr>
-              <a:t>2</a:t>
-            </a:r>
-            <a:endParaRPr lang="en-AU" sz="1600" dirty="0">
-              <a:solidFill>
-                <a:srgbClr val="FF0000"/>
-              </a:solidFill>
-            </a:endParaRPr>
-          </a:p>
-        </p:txBody>
-      </p:sp>
-      <p:sp>
-        <p:nvSpPr>
-          <p:cNvPr id="23" name="TextBox 22">
-            <a:extLst>
-              <a:ext uri="{FF2B5EF4-FFF2-40B4-BE49-F238E27FC236}">
-                <a16:creationId xmlns:a16="http://schemas.microsoft.com/office/drawing/2014/main" id="{33488D22-99A2-6E2D-3ED9-DB4CB0DCEB7A}"/>
-              </a:ext>
-            </a:extLst>
-          </p:cNvPr>
-          <p:cNvSpPr txBox="1"/>
+          <a:ln w="28575">
+            <a:solidFill>
+              <a:srgbClr val="FF0000"/>
+            </a:solidFill>
+          </a:ln>
+        </p:spPr>
+        <p:style>
+          <a:lnRef idx="1">
+            <a:schemeClr val="accent1"/>
+          </a:lnRef>
+          <a:fillRef idx="0">
+            <a:schemeClr val="accent1"/>
+          </a:fillRef>
+          <a:effectRef idx="0">
+            <a:schemeClr val="accent1"/>
+          </a:effectRef>
+          <a:fontRef idx="minor">
+            <a:schemeClr val="tx1"/>
+          </a:fontRef>
+        </p:style>
+      </p:cxnSp>
+      <p:cxnSp>
+        <p:nvCxnSpPr>
+          <p:cNvPr id="35" name="Straight Connector 34">
+            <a:extLst>
+              <a:ext uri="{FF2B5EF4-FFF2-40B4-BE49-F238E27FC236}">
+                <a16:creationId xmlns:a16="http://schemas.microsoft.com/office/drawing/2014/main" id="{B84B6D3D-4B56-EE74-85F8-3E8936F60206}"/>
+              </a:ext>
+            </a:extLst>
+          </p:cNvPr>
+          <p:cNvCxnSpPr>
+            <a:cxnSpLocks/>
+          </p:cNvCxnSpPr>
           <p:nvPr/>
-        </p:nvSpPr>
-        <p:spPr>
-          <a:xfrm>
-            <a:off x="3788747" y="884761"/>
-            <a:ext cx="436227" cy="400110"/>
-          </a:xfrm>
-          <a:prstGeom prst="rect">
+        </p:nvCxnSpPr>
+        <p:spPr>
+          <a:xfrm flipV="1">
+            <a:off x="5077253" y="4734440"/>
+            <a:ext cx="2034002" cy="936298"/>
+          </a:xfrm>
+          <a:prstGeom prst="line">
             <a:avLst/>
           </a:prstGeom>
-          <a:noFill/>
-        </p:spPr>
-        <p:txBody>
-          <a:bodyPr wrap="square" rtlCol="0">
-            <a:spAutoFit/>
-          </a:bodyPr>
-          <a:lstStyle/>
-          <a:p>
-            <a:r>
-              <a:rPr lang="en-US" sz="2000" dirty="0">
-                <a:solidFill>
-                  <a:srgbClr val="FF0000"/>
-                </a:solidFill>
-              </a:rPr>
-              <a:t>3</a:t>
-            </a:r>
-            <a:endParaRPr lang="en-AU" sz="1600" dirty="0">
-              <a:solidFill>
-                <a:srgbClr val="FF0000"/>
-              </a:solidFill>
-            </a:endParaRPr>
-          </a:p>
-        </p:txBody>
-      </p:sp>
-      <p:sp>
-        <p:nvSpPr>
-          <p:cNvPr id="24" name="TextBox 23">
-            <a:extLst>
-              <a:ext uri="{FF2B5EF4-FFF2-40B4-BE49-F238E27FC236}">
-                <a16:creationId xmlns:a16="http://schemas.microsoft.com/office/drawing/2014/main" id="{59152D38-F59A-6409-160D-EFCB51D19ED4}"/>
-              </a:ext>
-            </a:extLst>
-          </p:cNvPr>
-          <p:cNvSpPr txBox="1"/>
-          <p:nvPr/>
-        </p:nvSpPr>
-        <p:spPr>
-          <a:xfrm>
-            <a:off x="855742" y="3803974"/>
-            <a:ext cx="436227" cy="400110"/>
-          </a:xfrm>
-          <a:prstGeom prst="rect">
-            <a:avLst/>
-          </a:prstGeom>
-          <a:noFill/>
-        </p:spPr>
-        <p:txBody>
-          <a:bodyPr wrap="square" rtlCol="0">
-            <a:spAutoFit/>
-          </a:bodyPr>
-          <a:lstStyle/>
-          <a:p>
-            <a:r>
-              <a:rPr lang="en-US" sz="2000" dirty="0">
-                <a:solidFill>
-                  <a:srgbClr val="FF0000"/>
-                </a:solidFill>
-              </a:rPr>
-              <a:t>4</a:t>
-            </a:r>
-            <a:endParaRPr lang="en-AU" sz="1600" dirty="0">
-              <a:solidFill>
-                <a:srgbClr val="FF0000"/>
-              </a:solidFill>
-            </a:endParaRPr>
-          </a:p>
-        </p:txBody>
-      </p:sp>
-      <p:sp>
-        <p:nvSpPr>
-          <p:cNvPr id="25" name="TextBox 24">
-            <a:extLst>
-              <a:ext uri="{FF2B5EF4-FFF2-40B4-BE49-F238E27FC236}">
-                <a16:creationId xmlns:a16="http://schemas.microsoft.com/office/drawing/2014/main" id="{D36FB65B-B551-FA87-7E30-F14987C5AA60}"/>
-              </a:ext>
-            </a:extLst>
-          </p:cNvPr>
-          <p:cNvSpPr txBox="1"/>
-          <p:nvPr/>
-        </p:nvSpPr>
-        <p:spPr>
-          <a:xfrm>
-            <a:off x="2344505" y="3803974"/>
-            <a:ext cx="436227" cy="400110"/>
-          </a:xfrm>
-          <a:prstGeom prst="rect">
-            <a:avLst/>
-          </a:prstGeom>
-          <a:noFill/>
-        </p:spPr>
-        <p:txBody>
-          <a:bodyPr wrap="square" rtlCol="0">
-            <a:spAutoFit/>
-          </a:bodyPr>
-          <a:lstStyle/>
-          <a:p>
-            <a:r>
-              <a:rPr lang="en-US" sz="2000" dirty="0">
-                <a:solidFill>
-                  <a:srgbClr val="FF0000"/>
-                </a:solidFill>
-              </a:rPr>
-              <a:t>5</a:t>
-            </a:r>
-            <a:endParaRPr lang="en-AU" sz="1600" dirty="0">
-              <a:solidFill>
-                <a:srgbClr val="FF0000"/>
-              </a:solidFill>
-            </a:endParaRPr>
-          </a:p>
-        </p:txBody>
-      </p:sp>
-      <p:sp>
-        <p:nvSpPr>
-          <p:cNvPr id="26" name="TextBox 25">
-            <a:extLst>
-              <a:ext uri="{FF2B5EF4-FFF2-40B4-BE49-F238E27FC236}">
-                <a16:creationId xmlns:a16="http://schemas.microsoft.com/office/drawing/2014/main" id="{79F7A731-F21F-7505-09A6-1594F4D62F74}"/>
-              </a:ext>
-            </a:extLst>
-          </p:cNvPr>
-          <p:cNvSpPr txBox="1"/>
-          <p:nvPr/>
-        </p:nvSpPr>
-        <p:spPr>
-          <a:xfrm>
-            <a:off x="3761219" y="3801058"/>
-            <a:ext cx="436227" cy="400110"/>
-          </a:xfrm>
-          <a:prstGeom prst="rect">
-            <a:avLst/>
-          </a:prstGeom>
-          <a:noFill/>
-        </p:spPr>
-        <p:txBody>
-          <a:bodyPr wrap="square" rtlCol="0">
-            <a:spAutoFit/>
-          </a:bodyPr>
-          <a:lstStyle/>
-          <a:p>
-            <a:r>
-              <a:rPr lang="en-US" sz="2000" dirty="0">
-                <a:solidFill>
-                  <a:srgbClr val="FF0000"/>
-                </a:solidFill>
-              </a:rPr>
-              <a:t>6</a:t>
-            </a:r>
-            <a:endParaRPr lang="en-AU" sz="2000" dirty="0">
-              <a:solidFill>
-                <a:srgbClr val="FF0000"/>
-              </a:solidFill>
-            </a:endParaRPr>
-          </a:p>
-        </p:txBody>
-      </p:sp>
-      <p:pic>
-        <p:nvPicPr>
-          <p:cNvPr id="28" name="Picture 27" descr="A picture containing indoor&#10;&#10;Description automatically generated">
-            <a:extLst>
-              <a:ext uri="{FF2B5EF4-FFF2-40B4-BE49-F238E27FC236}">
-                <a16:creationId xmlns:a16="http://schemas.microsoft.com/office/drawing/2014/main" id="{CA2B80B3-E4FC-8071-CA84-EE91778AE920}"/>
-              </a:ext>
-            </a:extLst>
-          </p:cNvPr>
-          <p:cNvPicPr>
-            <a:picLocks noChangeAspect="1"/>
-          </p:cNvPicPr>
-          <p:nvPr/>
-        </p:nvPicPr>
-        <p:blipFill rotWithShape="1">
-          <a:blip r:embed="rId8">
-            <a:extLst>
-              <a:ext uri="{28A0092B-C50C-407E-A947-70E740481C1C}">
-                <a14:useLocalDpi xmlns:a14="http://schemas.microsoft.com/office/drawing/2010/main" val="0"/>
-              </a:ext>
-            </a:extLst>
-          </a:blip>
-          <a:srcRect l="12173" t="10324" r="32120" b="28300"/>
-          <a:stretch/>
-        </p:blipFill>
-        <p:spPr>
-          <a:xfrm>
-            <a:off x="5797625" y="884761"/>
-            <a:ext cx="1507077" cy="2967397"/>
-          </a:xfrm>
-          <a:prstGeom prst="rect">
-            <a:avLst/>
-          </a:prstGeom>
-        </p:spPr>
-      </p:pic>
-      <p:pic>
-        <p:nvPicPr>
-          <p:cNvPr id="30" name="Picture 29" descr="A close-up of a syringe with a label&#10;&#10;Description automatically generated with low confidence">
-            <a:extLst>
-              <a:ext uri="{FF2B5EF4-FFF2-40B4-BE49-F238E27FC236}">
-                <a16:creationId xmlns:a16="http://schemas.microsoft.com/office/drawing/2014/main" id="{88DBF1EE-9C3F-5055-2B2F-355BAA187F7C}"/>
-              </a:ext>
-            </a:extLst>
-          </p:cNvPr>
-          <p:cNvPicPr>
-            <a:picLocks noChangeAspect="1"/>
-          </p:cNvPicPr>
-          <p:nvPr/>
-        </p:nvPicPr>
-        <p:blipFill rotWithShape="1">
-          <a:blip r:embed="rId9">
-            <a:extLst>
-              <a:ext uri="{28A0092B-C50C-407E-A947-70E740481C1C}">
-                <a14:useLocalDpi xmlns:a14="http://schemas.microsoft.com/office/drawing/2010/main" val="0"/>
-              </a:ext>
-            </a:extLst>
-          </a:blip>
-          <a:srcRect l="27051" t="15647" r="25537" b="29931"/>
-          <a:stretch/>
-        </p:blipFill>
-        <p:spPr>
-          <a:xfrm>
-            <a:off x="7242915" y="884761"/>
-            <a:ext cx="1448226" cy="2970720"/>
-          </a:xfrm>
-          <a:prstGeom prst="rect">
-            <a:avLst/>
-          </a:prstGeom>
-        </p:spPr>
-      </p:pic>
-      <p:sp>
-        <p:nvSpPr>
-          <p:cNvPr id="31" name="TextBox 30">
-            <a:extLst>
-              <a:ext uri="{FF2B5EF4-FFF2-40B4-BE49-F238E27FC236}">
-                <a16:creationId xmlns:a16="http://schemas.microsoft.com/office/drawing/2014/main" id="{32EC1C2B-2D77-CAB1-83B2-587B25F1501F}"/>
-              </a:ext>
-            </a:extLst>
-          </p:cNvPr>
-          <p:cNvSpPr txBox="1"/>
-          <p:nvPr/>
-        </p:nvSpPr>
-        <p:spPr>
-          <a:xfrm>
-            <a:off x="5805162" y="860937"/>
-            <a:ext cx="436227" cy="400110"/>
-          </a:xfrm>
-          <a:prstGeom prst="rect">
-            <a:avLst/>
-          </a:prstGeom>
-          <a:noFill/>
-        </p:spPr>
-        <p:txBody>
-          <a:bodyPr wrap="square" rtlCol="0">
-            <a:spAutoFit/>
-          </a:bodyPr>
-          <a:lstStyle/>
-          <a:p>
-            <a:r>
-              <a:rPr lang="en-US" sz="2000" dirty="0">
-                <a:solidFill>
-                  <a:srgbClr val="FF0000"/>
-                </a:solidFill>
-              </a:rPr>
-              <a:t>7</a:t>
-            </a:r>
-            <a:endParaRPr lang="en-AU" sz="1600" dirty="0">
-              <a:solidFill>
-                <a:srgbClr val="FF0000"/>
-              </a:solidFill>
-            </a:endParaRPr>
-          </a:p>
-        </p:txBody>
-      </p:sp>
-      <p:sp>
-        <p:nvSpPr>
-          <p:cNvPr id="32" name="TextBox 31">
-            <a:extLst>
-              <a:ext uri="{FF2B5EF4-FFF2-40B4-BE49-F238E27FC236}">
-                <a16:creationId xmlns:a16="http://schemas.microsoft.com/office/drawing/2014/main" id="{4C9E72DB-6F17-A8A9-92BE-F713D359146A}"/>
-              </a:ext>
-            </a:extLst>
-          </p:cNvPr>
-          <p:cNvSpPr txBox="1"/>
-          <p:nvPr/>
-        </p:nvSpPr>
-        <p:spPr>
-          <a:xfrm>
-            <a:off x="7249404" y="876468"/>
-            <a:ext cx="436227" cy="400110"/>
-          </a:xfrm>
-          <a:prstGeom prst="rect">
-            <a:avLst/>
-          </a:prstGeom>
-          <a:noFill/>
-        </p:spPr>
-        <p:txBody>
-          <a:bodyPr wrap="square" rtlCol="0">
-            <a:spAutoFit/>
-          </a:bodyPr>
-          <a:lstStyle/>
-          <a:p>
-            <a:r>
-              <a:rPr lang="en-US" sz="2000" dirty="0">
-                <a:solidFill>
-                  <a:srgbClr val="FF0000"/>
-                </a:solidFill>
-              </a:rPr>
-              <a:t>8</a:t>
-            </a:r>
-            <a:endParaRPr lang="en-AU" sz="2000" dirty="0">
-              <a:solidFill>
-                <a:srgbClr val="FF0000"/>
-              </a:solidFill>
-            </a:endParaRPr>
-          </a:p>
-        </p:txBody>
-      </p:sp>
+          <a:ln w="28575">
+            <a:solidFill>
+              <a:srgbClr val="FF0000"/>
+            </a:solidFill>
+          </a:ln>
+        </p:spPr>
+        <p:style>
+          <a:lnRef idx="1">
+            <a:schemeClr val="accent1"/>
+          </a:lnRef>
+          <a:fillRef idx="0">
+            <a:schemeClr val="accent1"/>
+          </a:fillRef>
+          <a:effectRef idx="0">
+            <a:schemeClr val="accent1"/>
+          </a:effectRef>
+          <a:fontRef idx="minor">
+            <a:schemeClr val="tx1"/>
+          </a:fontRef>
+        </p:style>
+      </p:cxnSp>
     </p:spTree>
     <p:extLst>
       <p:ext uri="{BB962C8B-B14F-4D97-AF65-F5344CB8AC3E}">
-        <p14:creationId xmlns:p14="http://schemas.microsoft.com/office/powerpoint/2010/main" val="450527916"/>
+        <p14:creationId xmlns:p14="http://schemas.microsoft.com/office/powerpoint/2010/main" val="2586904"/>
       </p:ext>
     </p:extLst>
   </p:cSld>
@@ -4148,54 +4018,91 @@
       </p:grpSpPr>
       <p:sp>
         <p:nvSpPr>
-          <p:cNvPr id="9" name="TextBox 8">
-            <a:extLst>
-              <a:ext uri="{FF2B5EF4-FFF2-40B4-BE49-F238E27FC236}">
-                <a16:creationId xmlns:a16="http://schemas.microsoft.com/office/drawing/2014/main" id="{ACF6D30E-E2B7-872B-97D0-101E8F867B6F}"/>
-              </a:ext>
-            </a:extLst>
-          </p:cNvPr>
-          <p:cNvSpPr txBox="1"/>
+          <p:cNvPr id="8" name="Title 1"/>
+          <p:cNvSpPr txBox="1">
+            <a:spLocks/>
+          </p:cNvSpPr>
           <p:nvPr/>
         </p:nvSpPr>
-        <p:spPr>
-          <a:xfrm>
-            <a:off x="543302" y="184755"/>
-            <a:ext cx="5636588" cy="523220"/>
+        <p:spPr bwMode="auto">
+          <a:xfrm>
+            <a:off x="110786" y="8995"/>
+            <a:ext cx="8473376" cy="812800"/>
           </a:xfrm>
           <a:prstGeom prst="rect">
             <a:avLst/>
           </a:prstGeom>
           <a:noFill/>
-        </p:spPr>
-        <p:txBody>
-          <a:bodyPr wrap="square" rtlCol="0">
-            <a:spAutoFit/>
-          </a:bodyPr>
-          <a:lstStyle/>
-          <a:p>
-            <a:r>
-              <a:rPr lang="en-US" sz="2800" dirty="0">
+          <a:ln w="9525">
+            <a:noFill/>
+            <a:miter lim="800000"/>
+            <a:headEnd/>
+            <a:tailEnd/>
+          </a:ln>
+        </p:spPr>
+        <p:txBody>
+          <a:bodyPr/>
+          <a:lstStyle/>
+          <a:p>
+            <a:pPr>
+              <a:defRPr/>
+            </a:pPr>
+            <a:r>
+              <a:rPr lang="en-US" sz="4267" dirty="0">
                 <a:solidFill>
-                  <a:srgbClr val="0070C0"/>
+                  <a:schemeClr val="bg1"/>
                 </a:solidFill>
               </a:rPr>
-              <a:t>LAMP Data</a:t>
-            </a:r>
-            <a:endParaRPr lang="en-AU" sz="2800" dirty="0">
-              <a:solidFill>
-                <a:srgbClr val="0070C0"/>
-              </a:solidFill>
-            </a:endParaRPr>
+              <a:t>Potential Redesign</a:t>
+            </a:r>
+          </a:p>
+        </p:txBody>
+      </p:sp>
+      <p:sp>
+        <p:nvSpPr>
+          <p:cNvPr id="12" name="Footer Placeholder 3">
+            <a:extLst>
+              <a:ext uri="{FF2B5EF4-FFF2-40B4-BE49-F238E27FC236}">
+                <a16:creationId xmlns:a16="http://schemas.microsoft.com/office/drawing/2014/main" id="{516D6590-F192-48BE-95CC-12A9ED59BC78}"/>
+              </a:ext>
+            </a:extLst>
+          </p:cNvPr>
+          <p:cNvSpPr>
+            <a:spLocks noGrp="1"/>
+          </p:cNvSpPr>
+          <p:nvPr>
+            <p:ph type="ftr" sz="quarter" idx="10"/>
+          </p:nvPr>
+        </p:nvSpPr>
+        <p:spPr>
+          <a:xfrm>
+            <a:off x="46893" y="6491818"/>
+            <a:ext cx="1484195" cy="366183"/>
+          </a:xfrm>
+        </p:spPr>
+        <p:txBody>
+          <a:bodyPr/>
+          <a:lstStyle/>
+          <a:p>
+            <a:r>
+              <a:rPr lang="en-AU" sz="1067" dirty="0">
+                <a:solidFill>
+                  <a:schemeClr val="accent6">
+                    <a:lumMod val="75000"/>
+                  </a:schemeClr>
+                </a:solidFill>
+              </a:rPr>
+              <a:t>https://shiddiky.com</a:t>
+            </a:r>
           </a:p>
         </p:txBody>
       </p:sp>
       <p:pic>
         <p:nvPicPr>
-          <p:cNvPr id="3" name="Picture 2" descr="Chart, line chart&#10;&#10;Description automatically generated">
-            <a:extLst>
-              <a:ext uri="{FF2B5EF4-FFF2-40B4-BE49-F238E27FC236}">
-                <a16:creationId xmlns:a16="http://schemas.microsoft.com/office/drawing/2014/main" id="{8A631D4C-FD17-0D7B-D632-51B49A486731}"/>
+          <p:cNvPr id="69" name="Picture 68" descr="Diagram&#10;&#10;Description automatically generated">
+            <a:extLst>
+              <a:ext uri="{FF2B5EF4-FFF2-40B4-BE49-F238E27FC236}">
+                <a16:creationId xmlns:a16="http://schemas.microsoft.com/office/drawing/2014/main" id="{25707CA6-0A5C-E44B-F0CF-1964BEAB5175}"/>
               </a:ext>
             </a:extLst>
           </p:cNvPr>
@@ -4218,18 +4125,640 @@
         </p:blipFill>
         <p:spPr>
           <a:xfrm>
-            <a:off x="2737925" y="1518408"/>
-            <a:ext cx="5874291" cy="3836014"/>
+            <a:off x="730356" y="1065402"/>
+            <a:ext cx="3807221" cy="3502404"/>
           </a:xfrm>
           <a:prstGeom prst="rect">
             <a:avLst/>
           </a:prstGeom>
         </p:spPr>
       </p:pic>
+      <p:cxnSp>
+        <p:nvCxnSpPr>
+          <p:cNvPr id="70" name="Straight Arrow Connector 69">
+            <a:extLst>
+              <a:ext uri="{FF2B5EF4-FFF2-40B4-BE49-F238E27FC236}">
+                <a16:creationId xmlns:a16="http://schemas.microsoft.com/office/drawing/2014/main" id="{2A53D397-E7EB-49F8-EBF5-ECB554E5DF55}"/>
+              </a:ext>
+            </a:extLst>
+          </p:cNvPr>
+          <p:cNvCxnSpPr>
+            <a:cxnSpLocks/>
+          </p:cNvCxnSpPr>
+          <p:nvPr/>
+        </p:nvCxnSpPr>
+        <p:spPr>
+          <a:xfrm>
+            <a:off x="2081639" y="1905700"/>
+            <a:ext cx="2842699" cy="0"/>
+          </a:xfrm>
+          <a:prstGeom prst="straightConnector1">
+            <a:avLst/>
+          </a:prstGeom>
+          <a:ln w="28575">
+            <a:tailEnd type="triangle"/>
+          </a:ln>
+        </p:spPr>
+        <p:style>
+          <a:lnRef idx="1">
+            <a:schemeClr val="accent1"/>
+          </a:lnRef>
+          <a:fillRef idx="0">
+            <a:schemeClr val="accent1"/>
+          </a:fillRef>
+          <a:effectRef idx="0">
+            <a:schemeClr val="accent1"/>
+          </a:effectRef>
+          <a:fontRef idx="minor">
+            <a:schemeClr val="tx1"/>
+          </a:fontRef>
+        </p:style>
+      </p:cxnSp>
+      <p:cxnSp>
+        <p:nvCxnSpPr>
+          <p:cNvPr id="71" name="Straight Arrow Connector 70">
+            <a:extLst>
+              <a:ext uri="{FF2B5EF4-FFF2-40B4-BE49-F238E27FC236}">
+                <a16:creationId xmlns:a16="http://schemas.microsoft.com/office/drawing/2014/main" id="{2FBA18F4-F0C6-5567-B611-E8CB23DE1ED5}"/>
+              </a:ext>
+            </a:extLst>
+          </p:cNvPr>
+          <p:cNvCxnSpPr>
+            <a:cxnSpLocks/>
+          </p:cNvCxnSpPr>
+          <p:nvPr/>
+        </p:nvCxnSpPr>
+        <p:spPr>
+          <a:xfrm>
+            <a:off x="2633966" y="2234269"/>
+            <a:ext cx="2290372" cy="0"/>
+          </a:xfrm>
+          <a:prstGeom prst="straightConnector1">
+            <a:avLst/>
+          </a:prstGeom>
+          <a:ln w="28575">
+            <a:tailEnd type="triangle"/>
+          </a:ln>
+        </p:spPr>
+        <p:style>
+          <a:lnRef idx="1">
+            <a:schemeClr val="accent1"/>
+          </a:lnRef>
+          <a:fillRef idx="0">
+            <a:schemeClr val="accent1"/>
+          </a:fillRef>
+          <a:effectRef idx="0">
+            <a:schemeClr val="accent1"/>
+          </a:effectRef>
+          <a:fontRef idx="minor">
+            <a:schemeClr val="tx1"/>
+          </a:fontRef>
+        </p:style>
+      </p:cxnSp>
+      <p:cxnSp>
+        <p:nvCxnSpPr>
+          <p:cNvPr id="72" name="Straight Arrow Connector 71">
+            <a:extLst>
+              <a:ext uri="{FF2B5EF4-FFF2-40B4-BE49-F238E27FC236}">
+                <a16:creationId xmlns:a16="http://schemas.microsoft.com/office/drawing/2014/main" id="{925DDA4B-A4A5-ABC3-3354-A2CF146853DE}"/>
+              </a:ext>
+            </a:extLst>
+          </p:cNvPr>
+          <p:cNvCxnSpPr>
+            <a:cxnSpLocks/>
+          </p:cNvCxnSpPr>
+          <p:nvPr/>
+        </p:nvCxnSpPr>
+        <p:spPr>
+          <a:xfrm>
+            <a:off x="3088370" y="2403447"/>
+            <a:ext cx="1835968" cy="0"/>
+          </a:xfrm>
+          <a:prstGeom prst="straightConnector1">
+            <a:avLst/>
+          </a:prstGeom>
+          <a:ln w="28575">
+            <a:tailEnd type="triangle"/>
+          </a:ln>
+        </p:spPr>
+        <p:style>
+          <a:lnRef idx="1">
+            <a:schemeClr val="accent1"/>
+          </a:lnRef>
+          <a:fillRef idx="0">
+            <a:schemeClr val="accent1"/>
+          </a:fillRef>
+          <a:effectRef idx="0">
+            <a:schemeClr val="accent1"/>
+          </a:effectRef>
+          <a:fontRef idx="minor">
+            <a:schemeClr val="tx1"/>
+          </a:fontRef>
+        </p:style>
+      </p:cxnSp>
+      <p:cxnSp>
+        <p:nvCxnSpPr>
+          <p:cNvPr id="73" name="Straight Arrow Connector 72">
+            <a:extLst>
+              <a:ext uri="{FF2B5EF4-FFF2-40B4-BE49-F238E27FC236}">
+                <a16:creationId xmlns:a16="http://schemas.microsoft.com/office/drawing/2014/main" id="{320AC582-983B-AA8B-DB4D-A93A16E7C77C}"/>
+              </a:ext>
+            </a:extLst>
+          </p:cNvPr>
+          <p:cNvCxnSpPr>
+            <a:cxnSpLocks/>
+          </p:cNvCxnSpPr>
+          <p:nvPr/>
+        </p:nvCxnSpPr>
+        <p:spPr>
+          <a:xfrm>
+            <a:off x="3928667" y="2706849"/>
+            <a:ext cx="995671" cy="0"/>
+          </a:xfrm>
+          <a:prstGeom prst="straightConnector1">
+            <a:avLst/>
+          </a:prstGeom>
+          <a:ln w="28575">
+            <a:tailEnd type="triangle"/>
+          </a:ln>
+        </p:spPr>
+        <p:style>
+          <a:lnRef idx="1">
+            <a:schemeClr val="accent1"/>
+          </a:lnRef>
+          <a:fillRef idx="0">
+            <a:schemeClr val="accent1"/>
+          </a:fillRef>
+          <a:effectRef idx="0">
+            <a:schemeClr val="accent1"/>
+          </a:effectRef>
+          <a:fontRef idx="minor">
+            <a:schemeClr val="tx1"/>
+          </a:fontRef>
+        </p:style>
+      </p:cxnSp>
+      <p:sp>
+        <p:nvSpPr>
+          <p:cNvPr id="74" name="TextBox 73">
+            <a:extLst>
+              <a:ext uri="{FF2B5EF4-FFF2-40B4-BE49-F238E27FC236}">
+                <a16:creationId xmlns:a16="http://schemas.microsoft.com/office/drawing/2014/main" id="{C4CF9339-BD58-0392-9979-58929AFE0D79}"/>
+              </a:ext>
+            </a:extLst>
+          </p:cNvPr>
+          <p:cNvSpPr txBox="1"/>
+          <p:nvPr/>
+        </p:nvSpPr>
+        <p:spPr>
+          <a:xfrm>
+            <a:off x="4957680" y="1721034"/>
+            <a:ext cx="1862355" cy="369332"/>
+          </a:xfrm>
+          <a:prstGeom prst="rect">
+            <a:avLst/>
+          </a:prstGeom>
+          <a:noFill/>
+        </p:spPr>
+        <p:txBody>
+          <a:bodyPr wrap="square" rtlCol="0">
+            <a:spAutoFit/>
+          </a:bodyPr>
+          <a:lstStyle/>
+          <a:p>
+            <a:r>
+              <a:rPr lang="en-US" dirty="0"/>
+              <a:t>Heating tube</a:t>
+            </a:r>
+            <a:endParaRPr lang="en-AU" dirty="0"/>
+          </a:p>
+        </p:txBody>
+      </p:sp>
+      <p:sp>
+        <p:nvSpPr>
+          <p:cNvPr id="75" name="TextBox 74">
+            <a:extLst>
+              <a:ext uri="{FF2B5EF4-FFF2-40B4-BE49-F238E27FC236}">
+                <a16:creationId xmlns:a16="http://schemas.microsoft.com/office/drawing/2014/main" id="{95EF5D97-F48C-B6D3-E4D8-D49223264104}"/>
+              </a:ext>
+            </a:extLst>
+          </p:cNvPr>
+          <p:cNvSpPr txBox="1"/>
+          <p:nvPr/>
+        </p:nvSpPr>
+        <p:spPr>
+          <a:xfrm>
+            <a:off x="4924337" y="2006366"/>
+            <a:ext cx="1862355" cy="369332"/>
+          </a:xfrm>
+          <a:prstGeom prst="rect">
+            <a:avLst/>
+          </a:prstGeom>
+          <a:noFill/>
+        </p:spPr>
+        <p:txBody>
+          <a:bodyPr wrap="square" rtlCol="0">
+            <a:spAutoFit/>
+          </a:bodyPr>
+          <a:lstStyle/>
+          <a:p>
+            <a:r>
+              <a:rPr lang="en-US" dirty="0"/>
+              <a:t>Detection tube</a:t>
+            </a:r>
+            <a:endParaRPr lang="en-AU" dirty="0"/>
+          </a:p>
+        </p:txBody>
+      </p:sp>
+      <p:sp>
+        <p:nvSpPr>
+          <p:cNvPr id="76" name="TextBox 75">
+            <a:extLst>
+              <a:ext uri="{FF2B5EF4-FFF2-40B4-BE49-F238E27FC236}">
+                <a16:creationId xmlns:a16="http://schemas.microsoft.com/office/drawing/2014/main" id="{03E6ED76-13E9-731F-D2FF-5508B7655AD0}"/>
+              </a:ext>
+            </a:extLst>
+          </p:cNvPr>
+          <p:cNvSpPr txBox="1"/>
+          <p:nvPr/>
+        </p:nvSpPr>
+        <p:spPr>
+          <a:xfrm>
+            <a:off x="4924338" y="2236851"/>
+            <a:ext cx="1862355" cy="369332"/>
+          </a:xfrm>
+          <a:prstGeom prst="rect">
+            <a:avLst/>
+          </a:prstGeom>
+          <a:noFill/>
+        </p:spPr>
+        <p:txBody>
+          <a:bodyPr wrap="square" rtlCol="0">
+            <a:spAutoFit/>
+          </a:bodyPr>
+          <a:lstStyle/>
+          <a:p>
+            <a:r>
+              <a:rPr lang="en-US" dirty="0"/>
+              <a:t>LEDs</a:t>
+            </a:r>
+            <a:endParaRPr lang="en-AU" dirty="0"/>
+          </a:p>
+        </p:txBody>
+      </p:sp>
+      <p:sp>
+        <p:nvSpPr>
+          <p:cNvPr id="77" name="TextBox 76">
+            <a:extLst>
+              <a:ext uri="{FF2B5EF4-FFF2-40B4-BE49-F238E27FC236}">
+                <a16:creationId xmlns:a16="http://schemas.microsoft.com/office/drawing/2014/main" id="{5DACFEED-B615-5354-6259-AE77D85A182A}"/>
+              </a:ext>
+            </a:extLst>
+          </p:cNvPr>
+          <p:cNvSpPr txBox="1"/>
+          <p:nvPr/>
+        </p:nvSpPr>
+        <p:spPr>
+          <a:xfrm>
+            <a:off x="4924336" y="2518471"/>
+            <a:ext cx="1862355" cy="369332"/>
+          </a:xfrm>
+          <a:prstGeom prst="rect">
+            <a:avLst/>
+          </a:prstGeom>
+          <a:noFill/>
+        </p:spPr>
+        <p:txBody>
+          <a:bodyPr wrap="square" rtlCol="0">
+            <a:spAutoFit/>
+          </a:bodyPr>
+          <a:lstStyle/>
+          <a:p>
+            <a:r>
+              <a:rPr lang="en-US" dirty="0"/>
+              <a:t>Touch screen</a:t>
+            </a:r>
+            <a:endParaRPr lang="en-AU" dirty="0"/>
+          </a:p>
+        </p:txBody>
+      </p:sp>
+      <p:sp>
+        <p:nvSpPr>
+          <p:cNvPr id="78" name="TextBox 77">
+            <a:extLst>
+              <a:ext uri="{FF2B5EF4-FFF2-40B4-BE49-F238E27FC236}">
+                <a16:creationId xmlns:a16="http://schemas.microsoft.com/office/drawing/2014/main" id="{74EFA2BF-5D94-26F8-C461-E50C6AE6D126}"/>
+              </a:ext>
+            </a:extLst>
+          </p:cNvPr>
+          <p:cNvSpPr txBox="1"/>
+          <p:nvPr/>
+        </p:nvSpPr>
+        <p:spPr>
+          <a:xfrm>
+            <a:off x="7282352" y="948811"/>
+            <a:ext cx="3521979" cy="1754326"/>
+          </a:xfrm>
+          <a:prstGeom prst="rect">
+            <a:avLst/>
+          </a:prstGeom>
+          <a:noFill/>
+        </p:spPr>
+        <p:txBody>
+          <a:bodyPr wrap="square" rtlCol="0">
+            <a:spAutoFit/>
+          </a:bodyPr>
+          <a:lstStyle/>
+          <a:p>
+            <a:pPr marL="285750" indent="-285750">
+              <a:buFont typeface="Arial" panose="020B0604020202020204" pitchFamily="34" charset="0"/>
+              <a:buChar char="•"/>
+            </a:pPr>
+            <a:r>
+              <a:rPr lang="en-US" dirty="0"/>
+              <a:t>Handheld, but supported so can be put down</a:t>
+            </a:r>
+          </a:p>
+          <a:p>
+            <a:pPr marL="285750" indent="-285750">
+              <a:buFont typeface="Arial" panose="020B0604020202020204" pitchFamily="34" charset="0"/>
+              <a:buChar char="•"/>
+            </a:pPr>
+            <a:r>
+              <a:rPr lang="en-US" dirty="0"/>
+              <a:t>Bottom shaped to fit hand: shaped after</a:t>
+            </a:r>
+          </a:p>
+          <a:p>
+            <a:pPr marL="285750" indent="-285750">
+              <a:buFont typeface="Arial" panose="020B0604020202020204" pitchFamily="34" charset="0"/>
+              <a:buChar char="•"/>
+            </a:pPr>
+            <a:r>
+              <a:rPr lang="en-US" dirty="0"/>
+              <a:t>Possibly 150x100mm</a:t>
+            </a:r>
+          </a:p>
+          <a:p>
+            <a:pPr marL="285750" indent="-285750">
+              <a:buFont typeface="Arial" panose="020B0604020202020204" pitchFamily="34" charset="0"/>
+              <a:buChar char="•"/>
+            </a:pPr>
+            <a:r>
+              <a:rPr lang="en-US" dirty="0"/>
+              <a:t>Small touch screens: 77x52mm</a:t>
+            </a:r>
+          </a:p>
+        </p:txBody>
+      </p:sp>
+      <p:pic>
+        <p:nvPicPr>
+          <p:cNvPr id="79" name="Picture 4" descr="S0883990 Dymo | Dymo LetraTag LT-100H Handheld Label Printer With ABC  Keyboard | 456-6223 | RS Components">
+            <a:extLst>
+              <a:ext uri="{FF2B5EF4-FFF2-40B4-BE49-F238E27FC236}">
+                <a16:creationId xmlns:a16="http://schemas.microsoft.com/office/drawing/2014/main" id="{11C8162B-83B7-6D84-10E3-C2677B0500AE}"/>
+              </a:ext>
+            </a:extLst>
+          </p:cNvPr>
+          <p:cNvPicPr>
+            <a:picLocks noChangeAspect="1" noChangeArrowheads="1"/>
+          </p:cNvPicPr>
+          <p:nvPr/>
+        </p:nvPicPr>
+        <p:blipFill>
+          <a:blip r:embed="rId3">
+            <a:extLst>
+              <a:ext uri="{28A0092B-C50C-407E-A947-70E740481C1C}">
+                <a14:useLocalDpi xmlns:a14="http://schemas.microsoft.com/office/drawing/2010/main" val="0"/>
+              </a:ext>
+            </a:extLst>
+          </a:blip>
+          <a:srcRect/>
+          <a:stretch>
+            <a:fillRect/>
+          </a:stretch>
+        </p:blipFill>
+        <p:spPr bwMode="auto">
+          <a:xfrm>
+            <a:off x="7654425" y="3758269"/>
+            <a:ext cx="2522631" cy="2814506"/>
+          </a:xfrm>
+          <a:prstGeom prst="rect">
+            <a:avLst/>
+          </a:prstGeom>
+          <a:noFill/>
+          <a:extLst>
+            <a:ext uri="{909E8E84-426E-40DD-AFC4-6F175D3DCCD1}">
+              <a14:hiddenFill xmlns:a14="http://schemas.microsoft.com/office/drawing/2010/main">
+                <a:solidFill>
+                  <a:srgbClr val="FFFFFF"/>
+                </a:solidFill>
+              </a14:hiddenFill>
+            </a:ext>
+          </a:extLst>
+        </p:spPr>
+      </p:pic>
+      <p:sp>
+        <p:nvSpPr>
+          <p:cNvPr id="80" name="TextBox 79">
+            <a:extLst>
+              <a:ext uri="{FF2B5EF4-FFF2-40B4-BE49-F238E27FC236}">
+                <a16:creationId xmlns:a16="http://schemas.microsoft.com/office/drawing/2014/main" id="{5D8636A4-F4CA-ED8F-B64E-ABFCCF1D24F6}"/>
+              </a:ext>
+            </a:extLst>
+          </p:cNvPr>
+          <p:cNvSpPr txBox="1"/>
+          <p:nvPr/>
+        </p:nvSpPr>
+        <p:spPr>
+          <a:xfrm>
+            <a:off x="7194713" y="3244334"/>
+            <a:ext cx="3105909" cy="369332"/>
+          </a:xfrm>
+          <a:prstGeom prst="rect">
+            <a:avLst/>
+          </a:prstGeom>
+          <a:noFill/>
+        </p:spPr>
+        <p:txBody>
+          <a:bodyPr wrap="square" rtlCol="0">
+            <a:spAutoFit/>
+          </a:bodyPr>
+          <a:lstStyle/>
+          <a:p>
+            <a:r>
+              <a:rPr lang="en-US" dirty="0">
+                <a:solidFill>
+                  <a:srgbClr val="0070C0"/>
+                </a:solidFill>
+              </a:rPr>
+              <a:t>Modelled after label maker</a:t>
+            </a:r>
+            <a:endParaRPr lang="en-AU" dirty="0">
+              <a:solidFill>
+                <a:srgbClr val="0070C0"/>
+              </a:solidFill>
+            </a:endParaRPr>
+          </a:p>
+        </p:txBody>
+      </p:sp>
+      <p:cxnSp>
+        <p:nvCxnSpPr>
+          <p:cNvPr id="81" name="Straight Arrow Connector 80">
+            <a:extLst>
+              <a:ext uri="{FF2B5EF4-FFF2-40B4-BE49-F238E27FC236}">
+                <a16:creationId xmlns:a16="http://schemas.microsoft.com/office/drawing/2014/main" id="{FF4F63C3-9C31-A397-E9F9-FD83CBD9A375}"/>
+              </a:ext>
+            </a:extLst>
+          </p:cNvPr>
+          <p:cNvCxnSpPr>
+            <a:cxnSpLocks/>
+          </p:cNvCxnSpPr>
+          <p:nvPr/>
+        </p:nvCxnSpPr>
+        <p:spPr>
+          <a:xfrm flipH="1">
+            <a:off x="7055141" y="4983061"/>
+            <a:ext cx="1107347" cy="0"/>
+          </a:xfrm>
+          <a:prstGeom prst="straightConnector1">
+            <a:avLst/>
+          </a:prstGeom>
+          <a:ln w="28575">
+            <a:tailEnd type="triangle"/>
+          </a:ln>
+        </p:spPr>
+        <p:style>
+          <a:lnRef idx="1">
+            <a:schemeClr val="accent1"/>
+          </a:lnRef>
+          <a:fillRef idx="0">
+            <a:schemeClr val="accent1"/>
+          </a:fillRef>
+          <a:effectRef idx="0">
+            <a:schemeClr val="accent1"/>
+          </a:effectRef>
+          <a:fontRef idx="minor">
+            <a:schemeClr val="tx1"/>
+          </a:fontRef>
+        </p:style>
+      </p:cxnSp>
+      <p:cxnSp>
+        <p:nvCxnSpPr>
+          <p:cNvPr id="82" name="Straight Arrow Connector 81">
+            <a:extLst>
+              <a:ext uri="{FF2B5EF4-FFF2-40B4-BE49-F238E27FC236}">
+                <a16:creationId xmlns:a16="http://schemas.microsoft.com/office/drawing/2014/main" id="{9E25172E-0B0D-6F85-EDED-E3F43110116A}"/>
+              </a:ext>
+            </a:extLst>
+          </p:cNvPr>
+          <p:cNvCxnSpPr>
+            <a:cxnSpLocks/>
+          </p:cNvCxnSpPr>
+          <p:nvPr/>
+        </p:nvCxnSpPr>
+        <p:spPr>
+          <a:xfrm>
+            <a:off x="9304951" y="4243432"/>
+            <a:ext cx="995671" cy="0"/>
+          </a:xfrm>
+          <a:prstGeom prst="straightConnector1">
+            <a:avLst/>
+          </a:prstGeom>
+          <a:ln w="28575">
+            <a:tailEnd type="triangle"/>
+          </a:ln>
+        </p:spPr>
+        <p:style>
+          <a:lnRef idx="1">
+            <a:schemeClr val="accent1"/>
+          </a:lnRef>
+          <a:fillRef idx="0">
+            <a:schemeClr val="accent1"/>
+          </a:fillRef>
+          <a:effectRef idx="0">
+            <a:schemeClr val="accent1"/>
+          </a:effectRef>
+          <a:fontRef idx="minor">
+            <a:schemeClr val="tx1"/>
+          </a:fontRef>
+        </p:style>
+      </p:cxnSp>
+      <p:sp>
+        <p:nvSpPr>
+          <p:cNvPr id="83" name="TextBox 82">
+            <a:extLst>
+              <a:ext uri="{FF2B5EF4-FFF2-40B4-BE49-F238E27FC236}">
+                <a16:creationId xmlns:a16="http://schemas.microsoft.com/office/drawing/2014/main" id="{D6EDAE3C-3CEE-94BC-7DB6-925247CC01E1}"/>
+              </a:ext>
+            </a:extLst>
+          </p:cNvPr>
+          <p:cNvSpPr txBox="1"/>
+          <p:nvPr/>
+        </p:nvSpPr>
+        <p:spPr>
+          <a:xfrm>
+            <a:off x="4957680" y="4742361"/>
+            <a:ext cx="2522631" cy="646331"/>
+          </a:xfrm>
+          <a:prstGeom prst="rect">
+            <a:avLst/>
+          </a:prstGeom>
+          <a:noFill/>
+        </p:spPr>
+        <p:txBody>
+          <a:bodyPr wrap="square" rtlCol="0">
+            <a:spAutoFit/>
+          </a:bodyPr>
+          <a:lstStyle/>
+          <a:p>
+            <a:r>
+              <a:rPr lang="en-US" dirty="0"/>
+              <a:t>Shaped for hand but sturdy on table</a:t>
+            </a:r>
+            <a:endParaRPr lang="en-AU" dirty="0"/>
+          </a:p>
+        </p:txBody>
+      </p:sp>
+      <p:sp>
+        <p:nvSpPr>
+          <p:cNvPr id="84" name="TextBox 83">
+            <a:extLst>
+              <a:ext uri="{FF2B5EF4-FFF2-40B4-BE49-F238E27FC236}">
+                <a16:creationId xmlns:a16="http://schemas.microsoft.com/office/drawing/2014/main" id="{C932AA82-0474-0431-B266-001290572A29}"/>
+              </a:ext>
+            </a:extLst>
+          </p:cNvPr>
+          <p:cNvSpPr txBox="1"/>
+          <p:nvPr/>
+        </p:nvSpPr>
+        <p:spPr>
+          <a:xfrm>
+            <a:off x="10300623" y="3921475"/>
+            <a:ext cx="1758528" cy="923330"/>
+          </a:xfrm>
+          <a:prstGeom prst="rect">
+            <a:avLst/>
+          </a:prstGeom>
+          <a:noFill/>
+        </p:spPr>
+        <p:txBody>
+          <a:bodyPr wrap="square" rtlCol="0">
+            <a:spAutoFit/>
+          </a:bodyPr>
+          <a:lstStyle/>
+          <a:p>
+            <a:r>
+              <a:rPr lang="en-US" dirty="0"/>
+              <a:t>Easily add slant for improved screen visibility</a:t>
+            </a:r>
+            <a:endParaRPr lang="en-AU" dirty="0"/>
+          </a:p>
+        </p:txBody>
+      </p:sp>
     </p:spTree>
     <p:extLst>
       <p:ext uri="{BB962C8B-B14F-4D97-AF65-F5344CB8AC3E}">
-        <p14:creationId xmlns:p14="http://schemas.microsoft.com/office/powerpoint/2010/main" val="3109213710"/>
+        <p14:creationId xmlns:p14="http://schemas.microsoft.com/office/powerpoint/2010/main" val="3124826643"/>
       </p:ext>
     </p:extLst>
   </p:cSld>
@@ -4256,200 +4785,12 @@
           <a:chExt cx="0" cy="0"/>
         </a:xfrm>
       </p:grpSpPr>
-      <p:sp>
-        <p:nvSpPr>
-          <p:cNvPr id="9" name="TextBox 8">
-            <a:extLst>
-              <a:ext uri="{FF2B5EF4-FFF2-40B4-BE49-F238E27FC236}">
-                <a16:creationId xmlns:a16="http://schemas.microsoft.com/office/drawing/2014/main" id="{ACF6D30E-E2B7-872B-97D0-101E8F867B6F}"/>
-              </a:ext>
-            </a:extLst>
-          </p:cNvPr>
-          <p:cNvSpPr txBox="1"/>
-          <p:nvPr/>
-        </p:nvSpPr>
-        <p:spPr>
-          <a:xfrm>
-            <a:off x="543302" y="184755"/>
-            <a:ext cx="5636588" cy="523220"/>
-          </a:xfrm>
-          <a:prstGeom prst="rect">
-            <a:avLst/>
-          </a:prstGeom>
-          <a:noFill/>
-        </p:spPr>
-        <p:txBody>
-          <a:bodyPr wrap="square" rtlCol="0">
-            <a:spAutoFit/>
-          </a:bodyPr>
-          <a:lstStyle/>
-          <a:p>
-            <a:r>
-              <a:rPr lang="en-US" sz="2800" dirty="0">
-                <a:solidFill>
-                  <a:srgbClr val="0070C0"/>
-                </a:solidFill>
-              </a:rPr>
-              <a:t>LAMP</a:t>
-            </a:r>
-            <a:endParaRPr lang="en-AU" sz="2800" dirty="0">
-              <a:solidFill>
-                <a:srgbClr val="0070C0"/>
-              </a:solidFill>
-            </a:endParaRPr>
-          </a:p>
-        </p:txBody>
-      </p:sp>
-      <p:sp>
-        <p:nvSpPr>
-          <p:cNvPr id="10" name="TextBox 9">
-            <a:extLst>
-              <a:ext uri="{FF2B5EF4-FFF2-40B4-BE49-F238E27FC236}">
-                <a16:creationId xmlns:a16="http://schemas.microsoft.com/office/drawing/2014/main" id="{979BD102-0A4B-BF43-16AC-4D04492CD2AE}"/>
-              </a:ext>
-            </a:extLst>
-          </p:cNvPr>
-          <p:cNvSpPr txBox="1"/>
-          <p:nvPr/>
-        </p:nvSpPr>
-        <p:spPr>
-          <a:xfrm>
-            <a:off x="8281191" y="2303245"/>
-            <a:ext cx="3076327" cy="3139321"/>
-          </a:xfrm>
-          <a:prstGeom prst="rect">
-            <a:avLst/>
-          </a:prstGeom>
-          <a:noFill/>
-        </p:spPr>
-        <p:txBody>
-          <a:bodyPr wrap="square" rtlCol="0">
-            <a:spAutoFit/>
-          </a:bodyPr>
-          <a:lstStyle/>
-          <a:p>
-            <a:r>
-              <a:rPr lang="en-US" b="1" dirty="0">
-                <a:solidFill>
-                  <a:srgbClr val="0070C0"/>
-                </a:solidFill>
-              </a:rPr>
-              <a:t>1:</a:t>
-            </a:r>
-            <a:r>
-              <a:rPr lang="en-US" dirty="0">
-                <a:solidFill>
-                  <a:srgbClr val="0070C0"/>
-                </a:solidFill>
-              </a:rPr>
-              <a:t> 1µl of purified DNA in 24µL of LAMP master</a:t>
-            </a:r>
-          </a:p>
-          <a:p>
-            <a:r>
-              <a:rPr lang="en-US" b="1" dirty="0">
-                <a:solidFill>
-                  <a:srgbClr val="0070C0"/>
-                </a:solidFill>
-              </a:rPr>
-              <a:t>2:</a:t>
-            </a:r>
-            <a:r>
-              <a:rPr lang="en-US" dirty="0">
-                <a:solidFill>
-                  <a:srgbClr val="0070C0"/>
-                </a:solidFill>
-              </a:rPr>
-              <a:t> 1µl of heat lysis DNA in 24µL of LAMP master</a:t>
-            </a:r>
-          </a:p>
-          <a:p>
-            <a:r>
-              <a:rPr lang="en-US" b="1" dirty="0">
-                <a:solidFill>
-                  <a:srgbClr val="0070C0"/>
-                </a:solidFill>
-              </a:rPr>
-              <a:t>3:</a:t>
-            </a:r>
-            <a:r>
-              <a:rPr lang="en-US" dirty="0">
-                <a:solidFill>
-                  <a:srgbClr val="0070C0"/>
-                </a:solidFill>
-              </a:rPr>
-              <a:t> 2µl of heat lysis DNA in 48µL of LAMP master</a:t>
-            </a:r>
-          </a:p>
-          <a:p>
-            <a:r>
-              <a:rPr lang="en-US" b="1" dirty="0">
-                <a:solidFill>
-                  <a:srgbClr val="0070C0"/>
-                </a:solidFill>
-              </a:rPr>
-              <a:t>4:</a:t>
-            </a:r>
-            <a:r>
-              <a:rPr lang="en-US" dirty="0">
-                <a:solidFill>
-                  <a:srgbClr val="0070C0"/>
-                </a:solidFill>
-              </a:rPr>
-              <a:t> 2µl of heat lysis DNA in 48µL of LAMP master</a:t>
-            </a:r>
-          </a:p>
-          <a:p>
-            <a:r>
-              <a:rPr lang="en-US" b="1" dirty="0">
-                <a:solidFill>
-                  <a:srgbClr val="0070C0"/>
-                </a:solidFill>
-              </a:rPr>
-              <a:t>5-7:</a:t>
-            </a:r>
-            <a:r>
-              <a:rPr lang="en-US" dirty="0">
-                <a:solidFill>
-                  <a:srgbClr val="0070C0"/>
-                </a:solidFill>
-              </a:rPr>
-              <a:t> Fluorescent LAMP mix</a:t>
-            </a:r>
-          </a:p>
-          <a:p>
-            <a:r>
-              <a:rPr lang="en-US" b="1" dirty="0">
-                <a:solidFill>
-                  <a:srgbClr val="0070C0"/>
-                </a:solidFill>
-              </a:rPr>
-              <a:t>8-10:</a:t>
-            </a:r>
-            <a:r>
-              <a:rPr lang="en-US" dirty="0">
-                <a:solidFill>
-                  <a:srgbClr val="0070C0"/>
-                </a:solidFill>
-              </a:rPr>
-              <a:t> Colorimetric LAMP mix</a:t>
-            </a:r>
-          </a:p>
-          <a:p>
-            <a:endParaRPr lang="en-US" dirty="0">
-              <a:solidFill>
-                <a:srgbClr val="0070C0"/>
-              </a:solidFill>
-            </a:endParaRPr>
-          </a:p>
-        </p:txBody>
-      </p:sp>
       <p:pic>
         <p:nvPicPr>
-          <p:cNvPr id="5" name="Picture 4">
-            <a:extLst>
-              <a:ext uri="{FF2B5EF4-FFF2-40B4-BE49-F238E27FC236}">
-                <a16:creationId xmlns:a16="http://schemas.microsoft.com/office/drawing/2014/main" id="{C2F6610B-0C08-25DD-3154-F6CC6B3926E5}"/>
+          <p:cNvPr id="5" name="Picture 4" descr="A picture containing insect&#10;&#10;Description automatically generated">
+            <a:extLst>
+              <a:ext uri="{FF2B5EF4-FFF2-40B4-BE49-F238E27FC236}">
+                <a16:creationId xmlns:a16="http://schemas.microsoft.com/office/drawing/2014/main" id="{F8DA4D46-8A89-797B-B627-F004F54A5895}"/>
               </a:ext>
             </a:extLst>
           </p:cNvPr>
@@ -4458,26 +4799,845 @@
           </p:cNvPicPr>
           <p:nvPr/>
         </p:nvPicPr>
-        <p:blipFill>
-          <a:blip r:embed="rId2"/>
-          <a:stretch>
-            <a:fillRect/>
-          </a:stretch>
+        <p:blipFill rotWithShape="1">
+          <a:blip r:embed="rId2">
+            <a:extLst>
+              <a:ext uri="{28A0092B-C50C-407E-A947-70E740481C1C}">
+                <a14:useLocalDpi xmlns:a14="http://schemas.microsoft.com/office/drawing/2010/main" val="0"/>
+              </a:ext>
+            </a:extLst>
+          </a:blip>
+          <a:srcRect l="16182" t="20609" r="17028" b="29909"/>
+          <a:stretch/>
         </p:blipFill>
         <p:spPr>
           <a:xfrm>
-            <a:off x="309097" y="796954"/>
-            <a:ext cx="7972094" cy="5264092"/>
+            <a:off x="6991841" y="883908"/>
+            <a:ext cx="1784673" cy="2362883"/>
           </a:xfrm>
           <a:prstGeom prst="rect">
             <a:avLst/>
           </a:prstGeom>
         </p:spPr>
       </p:pic>
+      <p:sp>
+        <p:nvSpPr>
+          <p:cNvPr id="8" name="Title 1"/>
+          <p:cNvSpPr txBox="1">
+            <a:spLocks/>
+          </p:cNvSpPr>
+          <p:nvPr/>
+        </p:nvSpPr>
+        <p:spPr bwMode="auto">
+          <a:xfrm>
+            <a:off x="110786" y="8995"/>
+            <a:ext cx="8473376" cy="812800"/>
+          </a:xfrm>
+          <a:prstGeom prst="rect">
+            <a:avLst/>
+          </a:prstGeom>
+          <a:noFill/>
+          <a:ln w="9525">
+            <a:noFill/>
+            <a:miter lim="800000"/>
+            <a:headEnd/>
+            <a:tailEnd/>
+          </a:ln>
+        </p:spPr>
+        <p:txBody>
+          <a:bodyPr/>
+          <a:lstStyle/>
+          <a:p>
+            <a:pPr>
+              <a:defRPr/>
+            </a:pPr>
+            <a:r>
+              <a:rPr lang="en-US" sz="4267" dirty="0">
+                <a:solidFill>
+                  <a:schemeClr val="bg1"/>
+                </a:solidFill>
+              </a:rPr>
+              <a:t>Proof of concept Heating Block</a:t>
+            </a:r>
+          </a:p>
+        </p:txBody>
+      </p:sp>
+      <p:sp>
+        <p:nvSpPr>
+          <p:cNvPr id="12" name="Footer Placeholder 3">
+            <a:extLst>
+              <a:ext uri="{FF2B5EF4-FFF2-40B4-BE49-F238E27FC236}">
+                <a16:creationId xmlns:a16="http://schemas.microsoft.com/office/drawing/2014/main" id="{516D6590-F192-48BE-95CC-12A9ED59BC78}"/>
+              </a:ext>
+            </a:extLst>
+          </p:cNvPr>
+          <p:cNvSpPr>
+            <a:spLocks noGrp="1"/>
+          </p:cNvSpPr>
+          <p:nvPr>
+            <p:ph type="ftr" sz="quarter" idx="10"/>
+          </p:nvPr>
+        </p:nvSpPr>
+        <p:spPr>
+          <a:xfrm>
+            <a:off x="46893" y="6491818"/>
+            <a:ext cx="1484195" cy="366183"/>
+          </a:xfrm>
+        </p:spPr>
+        <p:txBody>
+          <a:bodyPr/>
+          <a:lstStyle/>
+          <a:p>
+            <a:r>
+              <a:rPr lang="en-AU" sz="1067" dirty="0">
+                <a:solidFill>
+                  <a:schemeClr val="accent6">
+                    <a:lumMod val="75000"/>
+                  </a:schemeClr>
+                </a:solidFill>
+              </a:rPr>
+              <a:t>https://shiddiky.com</a:t>
+            </a:r>
+          </a:p>
+        </p:txBody>
+      </p:sp>
+      <p:pic>
+        <p:nvPicPr>
+          <p:cNvPr id="42" name="Picture 41" descr="Diagram&#10;&#10;Description automatically generated with medium confidence">
+            <a:extLst>
+              <a:ext uri="{FF2B5EF4-FFF2-40B4-BE49-F238E27FC236}">
+                <a16:creationId xmlns:a16="http://schemas.microsoft.com/office/drawing/2014/main" id="{06B81157-DF6B-7D85-76EB-F61825A7FCFA}"/>
+              </a:ext>
+            </a:extLst>
+          </p:cNvPr>
+          <p:cNvPicPr>
+            <a:picLocks noChangeAspect="1"/>
+          </p:cNvPicPr>
+          <p:nvPr/>
+        </p:nvPicPr>
+        <p:blipFill rotWithShape="1">
+          <a:blip r:embed="rId3">
+            <a:extLst>
+              <a:ext uri="{28A0092B-C50C-407E-A947-70E740481C1C}">
+                <a14:useLocalDpi xmlns:a14="http://schemas.microsoft.com/office/drawing/2010/main" val="0"/>
+              </a:ext>
+            </a:extLst>
+          </a:blip>
+          <a:srcRect l="-1" t="8807" r="901" b="19192"/>
+          <a:stretch/>
+        </p:blipFill>
+        <p:spPr>
+          <a:xfrm>
+            <a:off x="670633" y="1047207"/>
+            <a:ext cx="4193309" cy="5444611"/>
+          </a:xfrm>
+          <a:prstGeom prst="rect">
+            <a:avLst/>
+          </a:prstGeom>
+        </p:spPr>
+      </p:pic>
+      <p:cxnSp>
+        <p:nvCxnSpPr>
+          <p:cNvPr id="45" name="Straight Arrow Connector 44">
+            <a:extLst>
+              <a:ext uri="{FF2B5EF4-FFF2-40B4-BE49-F238E27FC236}">
+                <a16:creationId xmlns:a16="http://schemas.microsoft.com/office/drawing/2014/main" id="{F86C8926-D058-E872-D159-93904939A68C}"/>
+              </a:ext>
+            </a:extLst>
+          </p:cNvPr>
+          <p:cNvCxnSpPr>
+            <a:cxnSpLocks/>
+          </p:cNvCxnSpPr>
+          <p:nvPr/>
+        </p:nvCxnSpPr>
+        <p:spPr>
+          <a:xfrm>
+            <a:off x="3939800" y="6137528"/>
+            <a:ext cx="1275356" cy="0"/>
+          </a:xfrm>
+          <a:prstGeom prst="straightConnector1">
+            <a:avLst/>
+          </a:prstGeom>
+          <a:ln w="28575">
+            <a:solidFill>
+              <a:schemeClr val="tx1"/>
+            </a:solidFill>
+            <a:tailEnd type="triangle"/>
+          </a:ln>
+        </p:spPr>
+        <p:style>
+          <a:lnRef idx="1">
+            <a:schemeClr val="accent1"/>
+          </a:lnRef>
+          <a:fillRef idx="0">
+            <a:schemeClr val="accent1"/>
+          </a:fillRef>
+          <a:effectRef idx="0">
+            <a:schemeClr val="accent1"/>
+          </a:effectRef>
+          <a:fontRef idx="minor">
+            <a:schemeClr val="tx1"/>
+          </a:fontRef>
+        </p:style>
+      </p:cxnSp>
+      <p:sp>
+        <p:nvSpPr>
+          <p:cNvPr id="46" name="TextBox 45">
+            <a:extLst>
+              <a:ext uri="{FF2B5EF4-FFF2-40B4-BE49-F238E27FC236}">
+                <a16:creationId xmlns:a16="http://schemas.microsoft.com/office/drawing/2014/main" id="{93E81A5E-4ADB-57C6-61F3-05C29A632A3A}"/>
+              </a:ext>
+            </a:extLst>
+          </p:cNvPr>
+          <p:cNvSpPr txBox="1"/>
+          <p:nvPr/>
+        </p:nvSpPr>
+        <p:spPr>
+          <a:xfrm>
+            <a:off x="5215156" y="5952862"/>
+            <a:ext cx="2151732" cy="369332"/>
+          </a:xfrm>
+          <a:prstGeom prst="rect">
+            <a:avLst/>
+          </a:prstGeom>
+          <a:noFill/>
+        </p:spPr>
+        <p:txBody>
+          <a:bodyPr wrap="square" rtlCol="0">
+            <a:spAutoFit/>
+          </a:bodyPr>
+          <a:lstStyle/>
+          <a:p>
+            <a:r>
+              <a:rPr lang="en-US" dirty="0"/>
+              <a:t>Time and temp LCD</a:t>
+            </a:r>
+            <a:endParaRPr lang="en-AU" dirty="0"/>
+          </a:p>
+        </p:txBody>
+      </p:sp>
+      <p:cxnSp>
+        <p:nvCxnSpPr>
+          <p:cNvPr id="47" name="Straight Arrow Connector 46">
+            <a:extLst>
+              <a:ext uri="{FF2B5EF4-FFF2-40B4-BE49-F238E27FC236}">
+                <a16:creationId xmlns:a16="http://schemas.microsoft.com/office/drawing/2014/main" id="{6175E06B-EC69-4E52-FA9D-8895F0FA2C44}"/>
+              </a:ext>
+            </a:extLst>
+          </p:cNvPr>
+          <p:cNvCxnSpPr>
+            <a:cxnSpLocks/>
+          </p:cNvCxnSpPr>
+          <p:nvPr/>
+        </p:nvCxnSpPr>
+        <p:spPr>
+          <a:xfrm>
+            <a:off x="1725424" y="2970797"/>
+            <a:ext cx="3489732" cy="567078"/>
+          </a:xfrm>
+          <a:prstGeom prst="straightConnector1">
+            <a:avLst/>
+          </a:prstGeom>
+          <a:ln w="28575">
+            <a:tailEnd type="triangle"/>
+          </a:ln>
+        </p:spPr>
+        <p:style>
+          <a:lnRef idx="1">
+            <a:schemeClr val="dk1"/>
+          </a:lnRef>
+          <a:fillRef idx="0">
+            <a:schemeClr val="dk1"/>
+          </a:fillRef>
+          <a:effectRef idx="0">
+            <a:schemeClr val="dk1"/>
+          </a:effectRef>
+          <a:fontRef idx="minor">
+            <a:schemeClr val="tx1"/>
+          </a:fontRef>
+        </p:style>
+      </p:cxnSp>
+      <p:sp>
+        <p:nvSpPr>
+          <p:cNvPr id="48" name="TextBox 47">
+            <a:extLst>
+              <a:ext uri="{FF2B5EF4-FFF2-40B4-BE49-F238E27FC236}">
+                <a16:creationId xmlns:a16="http://schemas.microsoft.com/office/drawing/2014/main" id="{ECF15FA9-059C-CC57-3B3B-861E7CE50956}"/>
+              </a:ext>
+            </a:extLst>
+          </p:cNvPr>
+          <p:cNvSpPr txBox="1"/>
+          <p:nvPr/>
+        </p:nvSpPr>
+        <p:spPr>
+          <a:xfrm>
+            <a:off x="5174779" y="3308904"/>
+            <a:ext cx="1586981" cy="369332"/>
+          </a:xfrm>
+          <a:prstGeom prst="rect">
+            <a:avLst/>
+          </a:prstGeom>
+          <a:noFill/>
+        </p:spPr>
+        <p:txBody>
+          <a:bodyPr wrap="square" rtlCol="0">
+            <a:spAutoFit/>
+          </a:bodyPr>
+          <a:lstStyle/>
+          <a:p>
+            <a:r>
+              <a:rPr lang="en-US" dirty="0"/>
+              <a:t>Voltage divider</a:t>
+            </a:r>
+            <a:endParaRPr lang="en-AU" dirty="0"/>
+          </a:p>
+        </p:txBody>
+      </p:sp>
+      <p:cxnSp>
+        <p:nvCxnSpPr>
+          <p:cNvPr id="49" name="Straight Arrow Connector 48">
+            <a:extLst>
+              <a:ext uri="{FF2B5EF4-FFF2-40B4-BE49-F238E27FC236}">
+                <a16:creationId xmlns:a16="http://schemas.microsoft.com/office/drawing/2014/main" id="{FCC3327D-12E0-6F67-25C3-1B258203DE14}"/>
+              </a:ext>
+            </a:extLst>
+          </p:cNvPr>
+          <p:cNvCxnSpPr>
+            <a:cxnSpLocks/>
+          </p:cNvCxnSpPr>
+          <p:nvPr/>
+        </p:nvCxnSpPr>
+        <p:spPr>
+          <a:xfrm>
+            <a:off x="2898707" y="2847239"/>
+            <a:ext cx="2292617" cy="0"/>
+          </a:xfrm>
+          <a:prstGeom prst="straightConnector1">
+            <a:avLst/>
+          </a:prstGeom>
+          <a:ln w="28575">
+            <a:tailEnd type="triangle"/>
+          </a:ln>
+        </p:spPr>
+        <p:style>
+          <a:lnRef idx="1">
+            <a:schemeClr val="dk1"/>
+          </a:lnRef>
+          <a:fillRef idx="0">
+            <a:schemeClr val="dk1"/>
+          </a:fillRef>
+          <a:effectRef idx="0">
+            <a:schemeClr val="dk1"/>
+          </a:effectRef>
+          <a:fontRef idx="minor">
+            <a:schemeClr val="tx1"/>
+          </a:fontRef>
+        </p:style>
+      </p:cxnSp>
+      <p:sp>
+        <p:nvSpPr>
+          <p:cNvPr id="50" name="TextBox 49">
+            <a:extLst>
+              <a:ext uri="{FF2B5EF4-FFF2-40B4-BE49-F238E27FC236}">
+                <a16:creationId xmlns:a16="http://schemas.microsoft.com/office/drawing/2014/main" id="{6BFFF1CA-CC64-91F9-BE29-87F5F44EEE0C}"/>
+              </a:ext>
+            </a:extLst>
+          </p:cNvPr>
+          <p:cNvSpPr txBox="1"/>
+          <p:nvPr/>
+        </p:nvSpPr>
+        <p:spPr>
+          <a:xfrm>
+            <a:off x="5134401" y="2524073"/>
+            <a:ext cx="1586981" cy="646331"/>
+          </a:xfrm>
+          <a:prstGeom prst="rect">
+            <a:avLst/>
+          </a:prstGeom>
+          <a:noFill/>
+        </p:spPr>
+        <p:txBody>
+          <a:bodyPr wrap="square" rtlCol="0">
+            <a:spAutoFit/>
+          </a:bodyPr>
+          <a:lstStyle/>
+          <a:p>
+            <a:r>
+              <a:rPr lang="en-US" dirty="0"/>
+              <a:t>In range out of range LEDs</a:t>
+            </a:r>
+            <a:endParaRPr lang="en-AU" dirty="0"/>
+          </a:p>
+        </p:txBody>
+      </p:sp>
+      <p:cxnSp>
+        <p:nvCxnSpPr>
+          <p:cNvPr id="51" name="Straight Arrow Connector 50">
+            <a:extLst>
+              <a:ext uri="{FF2B5EF4-FFF2-40B4-BE49-F238E27FC236}">
+                <a16:creationId xmlns:a16="http://schemas.microsoft.com/office/drawing/2014/main" id="{A6E9362B-B18F-4BA5-FD15-7656BFEEBF12}"/>
+              </a:ext>
+            </a:extLst>
+          </p:cNvPr>
+          <p:cNvCxnSpPr>
+            <a:cxnSpLocks/>
+          </p:cNvCxnSpPr>
+          <p:nvPr/>
+        </p:nvCxnSpPr>
+        <p:spPr>
+          <a:xfrm>
+            <a:off x="2323981" y="2177518"/>
+            <a:ext cx="2810420" cy="0"/>
+          </a:xfrm>
+          <a:prstGeom prst="straightConnector1">
+            <a:avLst/>
+          </a:prstGeom>
+          <a:ln w="28575">
+            <a:tailEnd type="triangle"/>
+          </a:ln>
+        </p:spPr>
+        <p:style>
+          <a:lnRef idx="1">
+            <a:schemeClr val="dk1"/>
+          </a:lnRef>
+          <a:fillRef idx="0">
+            <a:schemeClr val="dk1"/>
+          </a:fillRef>
+          <a:effectRef idx="0">
+            <a:schemeClr val="dk1"/>
+          </a:effectRef>
+          <a:fontRef idx="minor">
+            <a:schemeClr val="tx1"/>
+          </a:fontRef>
+        </p:style>
+      </p:cxnSp>
+      <p:sp>
+        <p:nvSpPr>
+          <p:cNvPr id="52" name="TextBox 51">
+            <a:extLst>
+              <a:ext uri="{FF2B5EF4-FFF2-40B4-BE49-F238E27FC236}">
+                <a16:creationId xmlns:a16="http://schemas.microsoft.com/office/drawing/2014/main" id="{E55BFB59-8ABB-33C4-FFDA-4FB8F20339FE}"/>
+              </a:ext>
+            </a:extLst>
+          </p:cNvPr>
+          <p:cNvSpPr txBox="1"/>
+          <p:nvPr/>
+        </p:nvSpPr>
+        <p:spPr>
+          <a:xfrm>
+            <a:off x="5134401" y="1811707"/>
+            <a:ext cx="1586981" cy="646331"/>
+          </a:xfrm>
+          <a:prstGeom prst="rect">
+            <a:avLst/>
+          </a:prstGeom>
+          <a:noFill/>
+        </p:spPr>
+        <p:txBody>
+          <a:bodyPr wrap="square" rtlCol="0">
+            <a:spAutoFit/>
+          </a:bodyPr>
+          <a:lstStyle/>
+          <a:p>
+            <a:r>
+              <a:rPr lang="en-US" dirty="0"/>
+              <a:t>Switching MOSFET</a:t>
+            </a:r>
+            <a:endParaRPr lang="en-AU" dirty="0"/>
+          </a:p>
+        </p:txBody>
+      </p:sp>
+      <p:cxnSp>
+        <p:nvCxnSpPr>
+          <p:cNvPr id="53" name="Straight Arrow Connector 52">
+            <a:extLst>
+              <a:ext uri="{FF2B5EF4-FFF2-40B4-BE49-F238E27FC236}">
+                <a16:creationId xmlns:a16="http://schemas.microsoft.com/office/drawing/2014/main" id="{B7C3342F-D190-0C4E-2381-567B5C026EDB}"/>
+              </a:ext>
+            </a:extLst>
+          </p:cNvPr>
+          <p:cNvCxnSpPr>
+            <a:cxnSpLocks/>
+          </p:cNvCxnSpPr>
+          <p:nvPr/>
+        </p:nvCxnSpPr>
+        <p:spPr>
+          <a:xfrm>
+            <a:off x="4443413" y="4502134"/>
+            <a:ext cx="747911" cy="0"/>
+          </a:xfrm>
+          <a:prstGeom prst="straightConnector1">
+            <a:avLst/>
+          </a:prstGeom>
+          <a:ln w="28575">
+            <a:tailEnd type="triangle"/>
+          </a:ln>
+        </p:spPr>
+        <p:style>
+          <a:lnRef idx="1">
+            <a:schemeClr val="dk1"/>
+          </a:lnRef>
+          <a:fillRef idx="0">
+            <a:schemeClr val="dk1"/>
+          </a:fillRef>
+          <a:effectRef idx="0">
+            <a:schemeClr val="dk1"/>
+          </a:effectRef>
+          <a:fontRef idx="minor">
+            <a:schemeClr val="tx1"/>
+          </a:fontRef>
+        </p:style>
+      </p:cxnSp>
+      <p:sp>
+        <p:nvSpPr>
+          <p:cNvPr id="54" name="TextBox 53">
+            <a:extLst>
+              <a:ext uri="{FF2B5EF4-FFF2-40B4-BE49-F238E27FC236}">
+                <a16:creationId xmlns:a16="http://schemas.microsoft.com/office/drawing/2014/main" id="{492425A4-DB88-57F7-353F-B316E743C634}"/>
+              </a:ext>
+            </a:extLst>
+          </p:cNvPr>
+          <p:cNvSpPr txBox="1"/>
+          <p:nvPr/>
+        </p:nvSpPr>
+        <p:spPr>
+          <a:xfrm>
+            <a:off x="5146583" y="4297967"/>
+            <a:ext cx="1586981" cy="369332"/>
+          </a:xfrm>
+          <a:prstGeom prst="rect">
+            <a:avLst/>
+          </a:prstGeom>
+          <a:noFill/>
+        </p:spPr>
+        <p:txBody>
+          <a:bodyPr wrap="square" rtlCol="0">
+            <a:spAutoFit/>
+          </a:bodyPr>
+          <a:lstStyle/>
+          <a:p>
+            <a:r>
+              <a:rPr lang="en-US" dirty="0"/>
+              <a:t>Arduino</a:t>
+            </a:r>
+            <a:endParaRPr lang="en-AU" dirty="0"/>
+          </a:p>
+        </p:txBody>
+      </p:sp>
+      <p:cxnSp>
+        <p:nvCxnSpPr>
+          <p:cNvPr id="55" name="Straight Arrow Connector 54">
+            <a:extLst>
+              <a:ext uri="{FF2B5EF4-FFF2-40B4-BE49-F238E27FC236}">
+                <a16:creationId xmlns:a16="http://schemas.microsoft.com/office/drawing/2014/main" id="{351ACC11-5EBB-3C7A-3361-CF1F9623BD8E}"/>
+              </a:ext>
+            </a:extLst>
+          </p:cNvPr>
+          <p:cNvCxnSpPr>
+            <a:cxnSpLocks/>
+          </p:cNvCxnSpPr>
+          <p:nvPr/>
+        </p:nvCxnSpPr>
+        <p:spPr>
+          <a:xfrm>
+            <a:off x="8045934" y="2711681"/>
+            <a:ext cx="1400961" cy="0"/>
+          </a:xfrm>
+          <a:prstGeom prst="straightConnector1">
+            <a:avLst/>
+          </a:prstGeom>
+          <a:ln w="28575">
+            <a:tailEnd type="triangle"/>
+          </a:ln>
+        </p:spPr>
+        <p:style>
+          <a:lnRef idx="1">
+            <a:schemeClr val="dk1"/>
+          </a:lnRef>
+          <a:fillRef idx="0">
+            <a:schemeClr val="dk1"/>
+          </a:fillRef>
+          <a:effectRef idx="0">
+            <a:schemeClr val="dk1"/>
+          </a:effectRef>
+          <a:fontRef idx="minor">
+            <a:schemeClr val="tx1"/>
+          </a:fontRef>
+        </p:style>
+      </p:cxnSp>
+      <p:sp>
+        <p:nvSpPr>
+          <p:cNvPr id="56" name="TextBox 55">
+            <a:extLst>
+              <a:ext uri="{FF2B5EF4-FFF2-40B4-BE49-F238E27FC236}">
+                <a16:creationId xmlns:a16="http://schemas.microsoft.com/office/drawing/2014/main" id="{57846040-D7EB-E83D-9727-A6AF33724BF8}"/>
+              </a:ext>
+            </a:extLst>
+          </p:cNvPr>
+          <p:cNvSpPr txBox="1"/>
+          <p:nvPr/>
+        </p:nvSpPr>
+        <p:spPr>
+          <a:xfrm>
+            <a:off x="9446895" y="2505602"/>
+            <a:ext cx="1586981" cy="369332"/>
+          </a:xfrm>
+          <a:prstGeom prst="rect">
+            <a:avLst/>
+          </a:prstGeom>
+          <a:noFill/>
+        </p:spPr>
+        <p:txBody>
+          <a:bodyPr wrap="square" rtlCol="0">
+            <a:spAutoFit/>
+          </a:bodyPr>
+          <a:lstStyle/>
+          <a:p>
+            <a:r>
+              <a:rPr lang="en-US" dirty="0"/>
+              <a:t>Thermistor</a:t>
+            </a:r>
+            <a:endParaRPr lang="en-AU" dirty="0"/>
+          </a:p>
+        </p:txBody>
+      </p:sp>
+      <p:sp>
+        <p:nvSpPr>
+          <p:cNvPr id="57" name="TextBox 56">
+            <a:extLst>
+              <a:ext uri="{FF2B5EF4-FFF2-40B4-BE49-F238E27FC236}">
+                <a16:creationId xmlns:a16="http://schemas.microsoft.com/office/drawing/2014/main" id="{50FF8E5A-668C-393F-4685-847C55578D7B}"/>
+              </a:ext>
+            </a:extLst>
+          </p:cNvPr>
+          <p:cNvSpPr txBox="1"/>
+          <p:nvPr/>
+        </p:nvSpPr>
+        <p:spPr>
+          <a:xfrm>
+            <a:off x="9434934" y="1661830"/>
+            <a:ext cx="2316666" cy="369332"/>
+          </a:xfrm>
+          <a:prstGeom prst="rect">
+            <a:avLst/>
+          </a:prstGeom>
+          <a:noFill/>
+        </p:spPr>
+        <p:txBody>
+          <a:bodyPr wrap="square" rtlCol="0">
+            <a:spAutoFit/>
+          </a:bodyPr>
+          <a:lstStyle/>
+          <a:p>
+            <a:r>
+              <a:rPr lang="en-US" dirty="0"/>
+              <a:t>Nichrome Wire</a:t>
+            </a:r>
+            <a:endParaRPr lang="en-AU" dirty="0"/>
+          </a:p>
+        </p:txBody>
+      </p:sp>
+      <p:cxnSp>
+        <p:nvCxnSpPr>
+          <p:cNvPr id="58" name="Straight Arrow Connector 57">
+            <a:extLst>
+              <a:ext uri="{FF2B5EF4-FFF2-40B4-BE49-F238E27FC236}">
+                <a16:creationId xmlns:a16="http://schemas.microsoft.com/office/drawing/2014/main" id="{0E43222B-EF6C-7717-59FA-D75F6E65771A}"/>
+              </a:ext>
+            </a:extLst>
+          </p:cNvPr>
+          <p:cNvCxnSpPr>
+            <a:cxnSpLocks/>
+          </p:cNvCxnSpPr>
+          <p:nvPr/>
+        </p:nvCxnSpPr>
+        <p:spPr>
+          <a:xfrm flipV="1">
+            <a:off x="8138213" y="1841673"/>
+            <a:ext cx="1308682" cy="1808"/>
+          </a:xfrm>
+          <a:prstGeom prst="straightConnector1">
+            <a:avLst/>
+          </a:prstGeom>
+          <a:ln w="28575">
+            <a:tailEnd type="triangle"/>
+          </a:ln>
+        </p:spPr>
+        <p:style>
+          <a:lnRef idx="1">
+            <a:schemeClr val="dk1"/>
+          </a:lnRef>
+          <a:fillRef idx="0">
+            <a:schemeClr val="dk1"/>
+          </a:fillRef>
+          <a:effectRef idx="0">
+            <a:schemeClr val="dk1"/>
+          </a:effectRef>
+          <a:fontRef idx="minor">
+            <a:schemeClr val="tx1"/>
+          </a:fontRef>
+        </p:style>
+      </p:cxnSp>
+      <p:cxnSp>
+        <p:nvCxnSpPr>
+          <p:cNvPr id="59" name="Straight Arrow Connector 58">
+            <a:extLst>
+              <a:ext uri="{FF2B5EF4-FFF2-40B4-BE49-F238E27FC236}">
+                <a16:creationId xmlns:a16="http://schemas.microsoft.com/office/drawing/2014/main" id="{75A343C9-92AE-5993-8307-1C644FE2598A}"/>
+              </a:ext>
+            </a:extLst>
+          </p:cNvPr>
+          <p:cNvCxnSpPr>
+            <a:cxnSpLocks/>
+          </p:cNvCxnSpPr>
+          <p:nvPr/>
+        </p:nvCxnSpPr>
+        <p:spPr>
+          <a:xfrm>
+            <a:off x="8239245" y="2249218"/>
+            <a:ext cx="1207650" cy="0"/>
+          </a:xfrm>
+          <a:prstGeom prst="straightConnector1">
+            <a:avLst/>
+          </a:prstGeom>
+          <a:ln w="28575">
+            <a:tailEnd type="triangle"/>
+          </a:ln>
+        </p:spPr>
+        <p:style>
+          <a:lnRef idx="1">
+            <a:schemeClr val="dk1"/>
+          </a:lnRef>
+          <a:fillRef idx="0">
+            <a:schemeClr val="dk1"/>
+          </a:fillRef>
+          <a:effectRef idx="0">
+            <a:schemeClr val="dk1"/>
+          </a:effectRef>
+          <a:fontRef idx="minor">
+            <a:schemeClr val="tx1"/>
+          </a:fontRef>
+        </p:style>
+      </p:cxnSp>
+      <p:sp>
+        <p:nvSpPr>
+          <p:cNvPr id="60" name="TextBox 59">
+            <a:extLst>
+              <a:ext uri="{FF2B5EF4-FFF2-40B4-BE49-F238E27FC236}">
+                <a16:creationId xmlns:a16="http://schemas.microsoft.com/office/drawing/2014/main" id="{5E49014A-EF6E-34CA-B787-BAAF7B602D6E}"/>
+              </a:ext>
+            </a:extLst>
+          </p:cNvPr>
+          <p:cNvSpPr txBox="1"/>
+          <p:nvPr/>
+        </p:nvSpPr>
+        <p:spPr>
+          <a:xfrm>
+            <a:off x="9446895" y="2049364"/>
+            <a:ext cx="1784673" cy="369332"/>
+          </a:xfrm>
+          <a:prstGeom prst="rect">
+            <a:avLst/>
+          </a:prstGeom>
+          <a:noFill/>
+        </p:spPr>
+        <p:txBody>
+          <a:bodyPr wrap="square" rtlCol="0">
+            <a:spAutoFit/>
+          </a:bodyPr>
+          <a:lstStyle/>
+          <a:p>
+            <a:r>
+              <a:rPr lang="en-US" dirty="0"/>
+              <a:t>1</a:t>
+            </a:r>
+            <a:r>
+              <a:rPr lang="en-US" baseline="30000" dirty="0"/>
+              <a:t>st</a:t>
+            </a:r>
+            <a:r>
+              <a:rPr lang="en-US" dirty="0"/>
+              <a:t> PDMS mold</a:t>
+            </a:r>
+            <a:endParaRPr lang="en-AU" dirty="0"/>
+          </a:p>
+        </p:txBody>
+      </p:sp>
+      <p:pic>
+        <p:nvPicPr>
+          <p:cNvPr id="67" name="Picture 66">
+            <a:extLst>
+              <a:ext uri="{FF2B5EF4-FFF2-40B4-BE49-F238E27FC236}">
+                <a16:creationId xmlns:a16="http://schemas.microsoft.com/office/drawing/2014/main" id="{C9796A85-2871-73B3-0F71-409D9D18CB35}"/>
+              </a:ext>
+            </a:extLst>
+          </p:cNvPr>
+          <p:cNvPicPr>
+            <a:picLocks noChangeAspect="1"/>
+          </p:cNvPicPr>
+          <p:nvPr/>
+        </p:nvPicPr>
+        <p:blipFill rotWithShape="1">
+          <a:blip r:embed="rId4">
+            <a:extLst>
+              <a:ext uri="{28A0092B-C50C-407E-A947-70E740481C1C}">
+                <a14:useLocalDpi xmlns:a14="http://schemas.microsoft.com/office/drawing/2010/main" val="0"/>
+              </a:ext>
+            </a:extLst>
+          </a:blip>
+          <a:srcRect l="232" t="10505" r="741" b="31831"/>
+          <a:stretch/>
+        </p:blipFill>
+        <p:spPr>
+          <a:xfrm>
+            <a:off x="8239245" y="3579882"/>
+            <a:ext cx="2709876" cy="2819958"/>
+          </a:xfrm>
+          <a:prstGeom prst="rect">
+            <a:avLst/>
+          </a:prstGeom>
+        </p:spPr>
+      </p:pic>
+      <p:sp>
+        <p:nvSpPr>
+          <p:cNvPr id="68" name="TextBox 67">
+            <a:extLst>
+              <a:ext uri="{FF2B5EF4-FFF2-40B4-BE49-F238E27FC236}">
+                <a16:creationId xmlns:a16="http://schemas.microsoft.com/office/drawing/2014/main" id="{CE471FCF-58F1-982A-0BB9-4F43DEED4EA5}"/>
+              </a:ext>
+            </a:extLst>
+          </p:cNvPr>
+          <p:cNvSpPr txBox="1"/>
+          <p:nvPr/>
+        </p:nvSpPr>
+        <p:spPr>
+          <a:xfrm>
+            <a:off x="8315780" y="6363599"/>
+            <a:ext cx="2709876" cy="369332"/>
+          </a:xfrm>
+          <a:prstGeom prst="rect">
+            <a:avLst/>
+          </a:prstGeom>
+          <a:noFill/>
+        </p:spPr>
+        <p:txBody>
+          <a:bodyPr wrap="square" rtlCol="0">
+            <a:spAutoFit/>
+          </a:bodyPr>
+          <a:lstStyle/>
+          <a:p>
+            <a:r>
+              <a:rPr lang="en-US" dirty="0"/>
+              <a:t>Device under operation</a:t>
+            </a:r>
+            <a:endParaRPr lang="en-AU" dirty="0"/>
+          </a:p>
+        </p:txBody>
+      </p:sp>
     </p:spTree>
     <p:extLst>
       <p:ext uri="{BB962C8B-B14F-4D97-AF65-F5344CB8AC3E}">
-        <p14:creationId xmlns:p14="http://schemas.microsoft.com/office/powerpoint/2010/main" val="1361178758"/>
+        <p14:creationId xmlns:p14="http://schemas.microsoft.com/office/powerpoint/2010/main" val="2899681667"/>
       </p:ext>
     </p:extLst>
   </p:cSld>
@@ -4506,43 +5666,62 @@
       </p:grpSpPr>
       <p:sp>
         <p:nvSpPr>
-          <p:cNvPr id="9" name="TextBox 8">
-            <a:extLst>
-              <a:ext uri="{FF2B5EF4-FFF2-40B4-BE49-F238E27FC236}">
-                <a16:creationId xmlns:a16="http://schemas.microsoft.com/office/drawing/2014/main" id="{ACF6D30E-E2B7-872B-97D0-101E8F867B6F}"/>
-              </a:ext>
-            </a:extLst>
-          </p:cNvPr>
-          <p:cNvSpPr txBox="1"/>
+          <p:cNvPr id="8" name="Title 1"/>
+          <p:cNvSpPr txBox="1">
+            <a:spLocks/>
+          </p:cNvSpPr>
           <p:nvPr/>
         </p:nvSpPr>
-        <p:spPr>
-          <a:xfrm>
-            <a:off x="543302" y="184755"/>
-            <a:ext cx="5636588" cy="523220"/>
+        <p:spPr bwMode="auto">
+          <a:xfrm>
+            <a:off x="110786" y="8995"/>
+            <a:ext cx="8473376" cy="812800"/>
           </a:xfrm>
           <a:prstGeom prst="rect">
             <a:avLst/>
           </a:prstGeom>
           <a:noFill/>
-        </p:spPr>
-        <p:txBody>
-          <a:bodyPr wrap="square" rtlCol="0">
-            <a:spAutoFit/>
-          </a:bodyPr>
-          <a:lstStyle/>
-          <a:p>
-            <a:r>
-              <a:rPr lang="en-US" sz="2800" dirty="0">
+          <a:ln w="9525">
+            <a:noFill/>
+            <a:miter lim="800000"/>
+            <a:headEnd/>
+            <a:tailEnd/>
+          </a:ln>
+        </p:spPr>
+        <p:txBody>
+          <a:bodyPr/>
+          <a:lstStyle/>
+          <a:p>
+            <a:pPr>
+              <a:defRPr/>
+            </a:pPr>
+            <a:r>
+              <a:rPr lang="en-US" sz="4267" dirty="0">
                 <a:solidFill>
-                  <a:srgbClr val="0070C0"/>
+                  <a:schemeClr val="bg1"/>
                 </a:solidFill>
               </a:rPr>
-              <a:t>LAMP</a:t>
-            </a:r>
-            <a:endParaRPr lang="en-AU" sz="2800" dirty="0">
+              <a:t>Eppendorf </a:t>
+            </a:r>
+            <a:r>
+              <a:rPr lang="en-US" sz="4267" dirty="0" err="1">
+                <a:solidFill>
+                  <a:schemeClr val="bg1"/>
+                </a:solidFill>
+              </a:rPr>
+              <a:t>Heatblock</a:t>
+            </a:r>
+            <a:r>
+              <a:rPr lang="en-US" sz="4267" dirty="0">
+                <a:solidFill>
+                  <a:schemeClr val="bg1"/>
+                </a:solidFill>
+              </a:rPr>
+              <a:t> LAMP data</a:t>
+            </a:r>
+            <a:endParaRPr lang="en-US" sz="4267" baseline="30000" dirty="0">
               <a:solidFill>
-                <a:srgbClr val="0070C0"/>
+                <a:schemeClr val="bg1"/>
               </a:solidFill>
             </a:endParaRPr>
           </a:p>
@@ -4550,10 +5729,49 @@
       </p:sp>
       <p:sp>
         <p:nvSpPr>
-          <p:cNvPr id="10" name="TextBox 9">
-            <a:extLst>
-              <a:ext uri="{FF2B5EF4-FFF2-40B4-BE49-F238E27FC236}">
-                <a16:creationId xmlns:a16="http://schemas.microsoft.com/office/drawing/2014/main" id="{979BD102-0A4B-BF43-16AC-4D04492CD2AE}"/>
+          <p:cNvPr id="12" name="Footer Placeholder 3">
+            <a:extLst>
+              <a:ext uri="{FF2B5EF4-FFF2-40B4-BE49-F238E27FC236}">
+                <a16:creationId xmlns:a16="http://schemas.microsoft.com/office/drawing/2014/main" id="{516D6590-F192-48BE-95CC-12A9ED59BC78}"/>
+              </a:ext>
+            </a:extLst>
+          </p:cNvPr>
+          <p:cNvSpPr>
+            <a:spLocks noGrp="1"/>
+          </p:cNvSpPr>
+          <p:nvPr>
+            <p:ph type="ftr" sz="quarter" idx="10"/>
+          </p:nvPr>
+        </p:nvSpPr>
+        <p:spPr>
+          <a:xfrm>
+            <a:off x="46893" y="6491818"/>
+            <a:ext cx="1484195" cy="366183"/>
+          </a:xfrm>
+        </p:spPr>
+        <p:txBody>
+          <a:bodyPr/>
+          <a:lstStyle/>
+          <a:p>
+            <a:r>
+              <a:rPr lang="en-AU" sz="1067" dirty="0">
+                <a:solidFill>
+                  <a:schemeClr val="accent6">
+                    <a:lumMod val="75000"/>
+                  </a:schemeClr>
+                </a:solidFill>
+              </a:rPr>
+              <a:t>https://shiddiky.com</a:t>
+            </a:r>
+          </a:p>
+        </p:txBody>
+      </p:sp>
+      <p:sp>
+        <p:nvSpPr>
+          <p:cNvPr id="15" name="TextBox 14">
+            <a:extLst>
+              <a:ext uri="{FF2B5EF4-FFF2-40B4-BE49-F238E27FC236}">
+                <a16:creationId xmlns:a16="http://schemas.microsoft.com/office/drawing/2014/main" id="{6BA85C57-D858-2197-50C4-F787A7B09B54}"/>
               </a:ext>
             </a:extLst>
           </p:cNvPr>
@@ -4562,8 +5780,8 @@
         </p:nvSpPr>
         <p:spPr>
           <a:xfrm>
-            <a:off x="8281191" y="2303245"/>
-            <a:ext cx="3076327" cy="3139321"/>
+            <a:off x="1094348" y="5141895"/>
+            <a:ext cx="1154653" cy="369332"/>
           </a:xfrm>
           <a:prstGeom prst="rect">
             <a:avLst/>
@@ -4590,9 +5808,275 @@
                   <a:srgbClr val="0070C0"/>
                 </a:solidFill>
               </a:rPr>
-              <a:t> 1µl of purified DNA in 24µL of LAMP master</a:t>
-            </a:r>
-          </a:p>
+              <a:t> Before</a:t>
+            </a:r>
+          </a:p>
+        </p:txBody>
+      </p:sp>
+      <p:pic>
+        <p:nvPicPr>
+          <p:cNvPr id="16" name="Picture 15" descr="A picture containing text, dirty&#10;&#10;Description automatically generated">
+            <a:extLst>
+              <a:ext uri="{FF2B5EF4-FFF2-40B4-BE49-F238E27FC236}">
+                <a16:creationId xmlns:a16="http://schemas.microsoft.com/office/drawing/2014/main" id="{D9ADD151-6FFC-28A3-3901-0FAF2E399BAD}"/>
+              </a:ext>
+            </a:extLst>
+          </p:cNvPr>
+          <p:cNvPicPr>
+            <a:picLocks noChangeAspect="1"/>
+          </p:cNvPicPr>
+          <p:nvPr/>
+        </p:nvPicPr>
+        <p:blipFill rotWithShape="1">
+          <a:blip r:embed="rId2">
+            <a:extLst>
+              <a:ext uri="{28A0092B-C50C-407E-A947-70E740481C1C}">
+                <a14:useLocalDpi xmlns:a14="http://schemas.microsoft.com/office/drawing/2010/main" val="0"/>
+              </a:ext>
+            </a:extLst>
+          </a:blip>
+          <a:srcRect l="28025" t="20006" r="24937" b="28551"/>
+          <a:stretch/>
+        </p:blipFill>
+        <p:spPr>
+          <a:xfrm>
+            <a:off x="842942" y="1921316"/>
+            <a:ext cx="1657467" cy="3239487"/>
+          </a:xfrm>
+          <a:prstGeom prst="rect">
+            <a:avLst/>
+          </a:prstGeom>
+        </p:spPr>
+      </p:pic>
+      <p:pic>
+        <p:nvPicPr>
+          <p:cNvPr id="17" name="Picture 16" descr="A picture containing text&#10;&#10;Description automatically generated">
+            <a:extLst>
+              <a:ext uri="{FF2B5EF4-FFF2-40B4-BE49-F238E27FC236}">
+                <a16:creationId xmlns:a16="http://schemas.microsoft.com/office/drawing/2014/main" id="{D8AD8B67-A95D-ED11-0D91-3DB0FD901F66}"/>
+              </a:ext>
+            </a:extLst>
+          </p:cNvPr>
+          <p:cNvPicPr>
+            <a:picLocks noChangeAspect="1"/>
+          </p:cNvPicPr>
+          <p:nvPr/>
+        </p:nvPicPr>
+        <p:blipFill rotWithShape="1">
+          <a:blip r:embed="rId3">
+            <a:extLst>
+              <a:ext uri="{28A0092B-C50C-407E-A947-70E740481C1C}">
+                <a14:useLocalDpi xmlns:a14="http://schemas.microsoft.com/office/drawing/2010/main" val="0"/>
+              </a:ext>
+            </a:extLst>
+          </a:blip>
+          <a:srcRect l="20255" t="17715" r="37330" b="37687"/>
+          <a:stretch/>
+        </p:blipFill>
+        <p:spPr>
+          <a:xfrm>
+            <a:off x="2909042" y="1921315"/>
+            <a:ext cx="1723947" cy="3239487"/>
+          </a:xfrm>
+          <a:prstGeom prst="rect">
+            <a:avLst/>
+          </a:prstGeom>
+        </p:spPr>
+      </p:pic>
+      <p:sp>
+        <p:nvSpPr>
+          <p:cNvPr id="18" name="TextBox 17">
+            <a:extLst>
+              <a:ext uri="{FF2B5EF4-FFF2-40B4-BE49-F238E27FC236}">
+                <a16:creationId xmlns:a16="http://schemas.microsoft.com/office/drawing/2014/main" id="{3C6599F7-9E5A-EBB2-2B8E-6DA1CA9AF705}"/>
+              </a:ext>
+            </a:extLst>
+          </p:cNvPr>
+          <p:cNvSpPr txBox="1"/>
+          <p:nvPr/>
+        </p:nvSpPr>
+        <p:spPr>
+          <a:xfrm>
+            <a:off x="803259" y="1921315"/>
+            <a:ext cx="458938" cy="400110"/>
+          </a:xfrm>
+          <a:prstGeom prst="rect">
+            <a:avLst/>
+          </a:prstGeom>
+          <a:noFill/>
+        </p:spPr>
+        <p:txBody>
+          <a:bodyPr wrap="square" rtlCol="0">
+            <a:spAutoFit/>
+          </a:bodyPr>
+          <a:lstStyle/>
+          <a:p>
+            <a:r>
+              <a:rPr lang="en-US" sz="2000" dirty="0">
+                <a:solidFill>
+                  <a:srgbClr val="FF0000"/>
+                </a:solidFill>
+              </a:rPr>
+              <a:t>1</a:t>
+            </a:r>
+            <a:endParaRPr lang="en-AU" sz="1600" dirty="0">
+              <a:solidFill>
+                <a:srgbClr val="FF0000"/>
+              </a:solidFill>
+            </a:endParaRPr>
+          </a:p>
+        </p:txBody>
+      </p:sp>
+      <p:pic>
+        <p:nvPicPr>
+          <p:cNvPr id="19" name="Picture 18" descr="A picture containing indoor&#10;&#10;Description automatically generated">
+            <a:extLst>
+              <a:ext uri="{FF2B5EF4-FFF2-40B4-BE49-F238E27FC236}">
+                <a16:creationId xmlns:a16="http://schemas.microsoft.com/office/drawing/2014/main" id="{AB5CD541-DF6B-B57B-3DB4-136F5DC16472}"/>
+              </a:ext>
+            </a:extLst>
+          </p:cNvPr>
+          <p:cNvPicPr>
+            <a:picLocks noChangeAspect="1"/>
+          </p:cNvPicPr>
+          <p:nvPr/>
+        </p:nvPicPr>
+        <p:blipFill rotWithShape="1">
+          <a:blip r:embed="rId4">
+            <a:extLst>
+              <a:ext uri="{28A0092B-C50C-407E-A947-70E740481C1C}">
+                <a14:useLocalDpi xmlns:a14="http://schemas.microsoft.com/office/drawing/2010/main" val="0"/>
+              </a:ext>
+            </a:extLst>
+          </a:blip>
+          <a:srcRect l="12173" t="10324" r="32120" b="28300"/>
+          <a:stretch/>
+        </p:blipFill>
+        <p:spPr>
+          <a:xfrm>
+            <a:off x="4899578" y="1921315"/>
+            <a:ext cx="1672422" cy="3292957"/>
+          </a:xfrm>
+          <a:prstGeom prst="rect">
+            <a:avLst/>
+          </a:prstGeom>
+        </p:spPr>
+      </p:pic>
+      <p:sp>
+        <p:nvSpPr>
+          <p:cNvPr id="20" name="TextBox 19">
+            <a:extLst>
+              <a:ext uri="{FF2B5EF4-FFF2-40B4-BE49-F238E27FC236}">
+                <a16:creationId xmlns:a16="http://schemas.microsoft.com/office/drawing/2014/main" id="{8241DA32-7618-D1E6-4C55-F89BE7A77A4F}"/>
+              </a:ext>
+            </a:extLst>
+          </p:cNvPr>
+          <p:cNvSpPr txBox="1"/>
+          <p:nvPr/>
+        </p:nvSpPr>
+        <p:spPr>
+          <a:xfrm>
+            <a:off x="4858746" y="1884121"/>
+            <a:ext cx="458938" cy="400110"/>
+          </a:xfrm>
+          <a:prstGeom prst="rect">
+            <a:avLst/>
+          </a:prstGeom>
+          <a:noFill/>
+        </p:spPr>
+        <p:txBody>
+          <a:bodyPr wrap="square" rtlCol="0">
+            <a:spAutoFit/>
+          </a:bodyPr>
+          <a:lstStyle/>
+          <a:p>
+            <a:r>
+              <a:rPr lang="en-US" sz="2000" dirty="0">
+                <a:solidFill>
+                  <a:srgbClr val="FF0000"/>
+                </a:solidFill>
+              </a:rPr>
+              <a:t>3</a:t>
+            </a:r>
+            <a:endParaRPr lang="en-AU" sz="1600" dirty="0">
+              <a:solidFill>
+                <a:srgbClr val="FF0000"/>
+              </a:solidFill>
+            </a:endParaRPr>
+          </a:p>
+        </p:txBody>
+      </p:sp>
+      <p:sp>
+        <p:nvSpPr>
+          <p:cNvPr id="21" name="TextBox 20">
+            <a:extLst>
+              <a:ext uri="{FF2B5EF4-FFF2-40B4-BE49-F238E27FC236}">
+                <a16:creationId xmlns:a16="http://schemas.microsoft.com/office/drawing/2014/main" id="{469D0978-7F16-2809-ADB4-B791DB126407}"/>
+              </a:ext>
+            </a:extLst>
+          </p:cNvPr>
+          <p:cNvSpPr txBox="1"/>
+          <p:nvPr/>
+        </p:nvSpPr>
+        <p:spPr>
+          <a:xfrm>
+            <a:off x="2909042" y="1884121"/>
+            <a:ext cx="458938" cy="400110"/>
+          </a:xfrm>
+          <a:prstGeom prst="rect">
+            <a:avLst/>
+          </a:prstGeom>
+          <a:noFill/>
+        </p:spPr>
+        <p:txBody>
+          <a:bodyPr wrap="square" rtlCol="0">
+            <a:spAutoFit/>
+          </a:bodyPr>
+          <a:lstStyle/>
+          <a:p>
+            <a:r>
+              <a:rPr lang="en-US" sz="2000" dirty="0">
+                <a:solidFill>
+                  <a:srgbClr val="FF0000"/>
+                </a:solidFill>
+              </a:rPr>
+              <a:t>2</a:t>
+            </a:r>
+            <a:endParaRPr lang="en-AU" sz="1600" dirty="0">
+              <a:solidFill>
+                <a:srgbClr val="FF0000"/>
+              </a:solidFill>
+            </a:endParaRPr>
+          </a:p>
+        </p:txBody>
+      </p:sp>
+      <p:sp>
+        <p:nvSpPr>
+          <p:cNvPr id="2" name="TextBox 1">
+            <a:extLst>
+              <a:ext uri="{FF2B5EF4-FFF2-40B4-BE49-F238E27FC236}">
+                <a16:creationId xmlns:a16="http://schemas.microsoft.com/office/drawing/2014/main" id="{46DE2764-6022-5B12-DBF3-D2ECF6791A4F}"/>
+              </a:ext>
+            </a:extLst>
+          </p:cNvPr>
+          <p:cNvSpPr txBox="1"/>
+          <p:nvPr/>
+        </p:nvSpPr>
+        <p:spPr>
+          <a:xfrm>
+            <a:off x="3267532" y="5141895"/>
+            <a:ext cx="1478335" cy="369332"/>
+          </a:xfrm>
+          <a:prstGeom prst="rect">
+            <a:avLst/>
+          </a:prstGeom>
+          <a:noFill/>
+        </p:spPr>
+        <p:txBody>
+          <a:bodyPr wrap="square" rtlCol="0">
+            <a:spAutoFit/>
+          </a:bodyPr>
+          <a:lstStyle/>
           <a:p>
             <a:r>
               <a:rPr lang="en-US" b="1" dirty="0">
@@ -4608,9 +6092,39 @@
                   <a:srgbClr val="0070C0"/>
                 </a:solidFill>
               </a:rPr>
-              <a:t> 1µl of heat lysis DNA in 24µL of LAMP master</a:t>
-            </a:r>
-          </a:p>
+              <a:t> 25µL</a:t>
+            </a:r>
+            <a:endParaRPr lang="en-AU" dirty="0"/>
+          </a:p>
+        </p:txBody>
+      </p:sp>
+      <p:sp>
+        <p:nvSpPr>
+          <p:cNvPr id="3" name="TextBox 2">
+            <a:extLst>
+              <a:ext uri="{FF2B5EF4-FFF2-40B4-BE49-F238E27FC236}">
+                <a16:creationId xmlns:a16="http://schemas.microsoft.com/office/drawing/2014/main" id="{B7A9344E-8B54-D55B-9488-455856069A48}"/>
+              </a:ext>
+            </a:extLst>
+          </p:cNvPr>
+          <p:cNvSpPr txBox="1"/>
+          <p:nvPr/>
+        </p:nvSpPr>
+        <p:spPr>
+          <a:xfrm>
+            <a:off x="5236644" y="5214272"/>
+            <a:ext cx="998290" cy="646331"/>
+          </a:xfrm>
+          <a:prstGeom prst="rect">
+            <a:avLst/>
+          </a:prstGeom>
+          <a:noFill/>
+        </p:spPr>
+        <p:txBody>
+          <a:bodyPr wrap="square" rtlCol="0">
+            <a:spAutoFit/>
+          </a:bodyPr>
+          <a:lstStyle/>
           <a:p>
             <a:r>
               <a:rPr lang="en-US" b="1" dirty="0">
@@ -4626,78 +6140,428 @@
                   <a:srgbClr val="0070C0"/>
                 </a:solidFill>
               </a:rPr>
-              <a:t> 2µl of heat lysis DNA in 48µL of LAMP master</a:t>
-            </a:r>
-          </a:p>
-          <a:p>
-            <a:r>
-              <a:rPr lang="en-US" b="1" dirty="0">
+              <a:t> 50µL</a:t>
+            </a:r>
+          </a:p>
+          <a:p>
+            <a:endParaRPr lang="en-AU" dirty="0"/>
+          </a:p>
+        </p:txBody>
+      </p:sp>
+      <p:pic>
+        <p:nvPicPr>
+          <p:cNvPr id="22" name="Picture 21">
+            <a:extLst>
+              <a:ext uri="{FF2B5EF4-FFF2-40B4-BE49-F238E27FC236}">
+                <a16:creationId xmlns:a16="http://schemas.microsoft.com/office/drawing/2014/main" id="{7B53C5AB-E519-F6CC-0AFC-E670A6959A59}"/>
+              </a:ext>
+            </a:extLst>
+          </p:cNvPr>
+          <p:cNvPicPr>
+            <a:picLocks noChangeAspect="1"/>
+          </p:cNvPicPr>
+          <p:nvPr/>
+        </p:nvPicPr>
+        <p:blipFill rotWithShape="1">
+          <a:blip r:embed="rId5"/>
+          <a:srcRect l="1490" t="15618" r="57471"/>
+          <a:stretch/>
+        </p:blipFill>
+        <p:spPr>
+          <a:xfrm>
+            <a:off x="8085917" y="1897491"/>
+            <a:ext cx="2758941" cy="3745794"/>
+          </a:xfrm>
+          <a:prstGeom prst="rect">
+            <a:avLst/>
+          </a:prstGeom>
+        </p:spPr>
+      </p:pic>
+    </p:spTree>
+    <p:extLst>
+      <p:ext uri="{BB962C8B-B14F-4D97-AF65-F5344CB8AC3E}">
+        <p14:creationId xmlns:p14="http://schemas.microsoft.com/office/powerpoint/2010/main" val="599787549"/>
+      </p:ext>
+    </p:extLst>
+  </p:cSld>
+  <p:clrMapOvr>
+    <a:masterClrMapping/>
+  </p:clrMapOvr>
+</p:sld>
+</file>
+
+<file path=ppt/slides/slide5.xml><?xml version="1.0" encoding="utf-8"?>
+<p:sld xmlns:a="http://schemas.openxmlformats.org/drawingml/2006/main" xmlns:r="http://schemas.openxmlformats.org/officeDocument/2006/relationships" xmlns:p="http://schemas.openxmlformats.org/presentationml/2006/main">
+  <p:cSld>
+    <p:spTree>
+      <p:nvGrpSpPr>
+        <p:cNvPr id="1" name=""/>
+        <p:cNvGrpSpPr/>
+        <p:nvPr/>
+      </p:nvGrpSpPr>
+      <p:grpSpPr>
+        <a:xfrm>
+          <a:off x="0" y="0"/>
+          <a:ext cx="0" cy="0"/>
+          <a:chOff x="0" y="0"/>
+          <a:chExt cx="0" cy="0"/>
+        </a:xfrm>
+      </p:grpSpPr>
+      <p:sp>
+        <p:nvSpPr>
+          <p:cNvPr id="8" name="Title 1"/>
+          <p:cNvSpPr txBox="1">
+            <a:spLocks/>
+          </p:cNvSpPr>
+          <p:nvPr/>
+        </p:nvSpPr>
+        <p:spPr bwMode="auto">
+          <a:xfrm>
+            <a:off x="110786" y="8995"/>
+            <a:ext cx="8473376" cy="812800"/>
+          </a:xfrm>
+          <a:prstGeom prst="rect">
+            <a:avLst/>
+          </a:prstGeom>
+          <a:noFill/>
+          <a:ln w="9525">
+            <a:noFill/>
+            <a:miter lim="800000"/>
+            <a:headEnd/>
+            <a:tailEnd/>
+          </a:ln>
+        </p:spPr>
+        <p:txBody>
+          <a:bodyPr/>
+          <a:lstStyle/>
+          <a:p>
+            <a:pPr>
+              <a:defRPr/>
+            </a:pPr>
+            <a:r>
+              <a:rPr lang="en-US" sz="4267" dirty="0">
                 <a:solidFill>
-                  <a:srgbClr val="0070C0"/>
+                  <a:schemeClr val="bg1"/>
                 </a:solidFill>
               </a:rPr>
-              <a:t>4:</a:t>
-            </a:r>
-            <a:r>
-              <a:rPr lang="en-US" dirty="0">
+              <a:t>Eppendorf </a:t>
+            </a:r>
+            <a:r>
+              <a:rPr lang="en-US" sz="4267" dirty="0" err="1">
                 <a:solidFill>
-                  <a:srgbClr val="0070C0"/>
+                  <a:schemeClr val="bg1"/>
                 </a:solidFill>
               </a:rPr>
-              <a:t> 2µl of heat lysis DNA in 48µL of LAMP master</a:t>
-            </a:r>
-          </a:p>
-          <a:p>
-            <a:r>
-              <a:rPr lang="en-US" b="1" dirty="0">
+              <a:t>Heatblock</a:t>
+            </a:r>
+            <a:r>
+              <a:rPr lang="en-US" sz="4267" dirty="0">
                 <a:solidFill>
-                  <a:srgbClr val="0070C0"/>
+                  <a:schemeClr val="bg1"/>
                 </a:solidFill>
               </a:rPr>
-              <a:t>5-7:</a:t>
-            </a:r>
-            <a:r>
-              <a:rPr lang="en-US" dirty="0">
+              <a:t> LAMP data</a:t>
+            </a:r>
+            <a:endParaRPr lang="en-US" sz="4267" baseline="30000" dirty="0">
+              <a:solidFill>
+                <a:schemeClr val="bg1"/>
+              </a:solidFill>
+            </a:endParaRPr>
+          </a:p>
+        </p:txBody>
+      </p:sp>
+      <p:sp>
+        <p:nvSpPr>
+          <p:cNvPr id="12" name="Footer Placeholder 3">
+            <a:extLst>
+              <a:ext uri="{FF2B5EF4-FFF2-40B4-BE49-F238E27FC236}">
+                <a16:creationId xmlns:a16="http://schemas.microsoft.com/office/drawing/2014/main" id="{516D6590-F192-48BE-95CC-12A9ED59BC78}"/>
+              </a:ext>
+            </a:extLst>
+          </p:cNvPr>
+          <p:cNvSpPr>
+            <a:spLocks noGrp="1"/>
+          </p:cNvSpPr>
+          <p:nvPr>
+            <p:ph type="ftr" sz="quarter" idx="10"/>
+          </p:nvPr>
+        </p:nvSpPr>
+        <p:spPr>
+          <a:xfrm>
+            <a:off x="46893" y="6491818"/>
+            <a:ext cx="1484195" cy="366183"/>
+          </a:xfrm>
+        </p:spPr>
+        <p:txBody>
+          <a:bodyPr/>
+          <a:lstStyle/>
+          <a:p>
+            <a:r>
+              <a:rPr lang="en-AU" sz="1067" dirty="0">
                 <a:solidFill>
-                  <a:srgbClr val="0070C0"/>
+                  <a:schemeClr val="accent6">
+                    <a:lumMod val="75000"/>
+                  </a:schemeClr>
                 </a:solidFill>
               </a:rPr>
-              <a:t> Fluorescent LAMP mix</a:t>
-            </a:r>
-          </a:p>
-          <a:p>
-            <a:r>
-              <a:rPr lang="en-US" b="1" dirty="0">
+              <a:t>https://shiddiky.com</a:t>
+            </a:r>
+          </a:p>
+        </p:txBody>
+      </p:sp>
+      <p:pic>
+        <p:nvPicPr>
+          <p:cNvPr id="5" name="Picture 4" descr="A picture containing indoor, plastic&#10;&#10;Description automatically generated">
+            <a:extLst>
+              <a:ext uri="{FF2B5EF4-FFF2-40B4-BE49-F238E27FC236}">
+                <a16:creationId xmlns:a16="http://schemas.microsoft.com/office/drawing/2014/main" id="{EA3F4BEB-F718-3509-B31A-6E6A6DCC5333}"/>
+              </a:ext>
+            </a:extLst>
+          </p:cNvPr>
+          <p:cNvPicPr>
+            <a:picLocks noChangeAspect="1"/>
+          </p:cNvPicPr>
+          <p:nvPr/>
+        </p:nvPicPr>
+        <p:blipFill rotWithShape="1">
+          <a:blip r:embed="rId2">
+            <a:extLst>
+              <a:ext uri="{28A0092B-C50C-407E-A947-70E740481C1C}">
+                <a14:useLocalDpi xmlns:a14="http://schemas.microsoft.com/office/drawing/2010/main" val="0"/>
+              </a:ext>
+            </a:extLst>
+          </a:blip>
+          <a:srcRect l="1777" t="11982" r="722" b="39247"/>
+          <a:stretch/>
+        </p:blipFill>
+        <p:spPr>
+          <a:xfrm>
+            <a:off x="1129004" y="1479252"/>
+            <a:ext cx="3741575" cy="3344675"/>
+          </a:xfrm>
+          <a:prstGeom prst="rect">
+            <a:avLst/>
+          </a:prstGeom>
+        </p:spPr>
+      </p:pic>
+      <p:sp>
+        <p:nvSpPr>
+          <p:cNvPr id="22" name="TextBox 21">
+            <a:extLst>
+              <a:ext uri="{FF2B5EF4-FFF2-40B4-BE49-F238E27FC236}">
+                <a16:creationId xmlns:a16="http://schemas.microsoft.com/office/drawing/2014/main" id="{2734AFE9-BAB9-3EB9-0501-0FAE1C34DD9D}"/>
+              </a:ext>
+            </a:extLst>
+          </p:cNvPr>
+          <p:cNvSpPr txBox="1"/>
+          <p:nvPr/>
+        </p:nvSpPr>
+        <p:spPr>
+          <a:xfrm>
+            <a:off x="1129004" y="1479252"/>
+            <a:ext cx="458938" cy="400110"/>
+          </a:xfrm>
+          <a:prstGeom prst="rect">
+            <a:avLst/>
+          </a:prstGeom>
+          <a:noFill/>
+        </p:spPr>
+        <p:txBody>
+          <a:bodyPr wrap="square" rtlCol="0">
+            <a:spAutoFit/>
+          </a:bodyPr>
+          <a:lstStyle/>
+          <a:p>
+            <a:r>
+              <a:rPr lang="en-US" sz="2000" dirty="0">
                 <a:solidFill>
-                  <a:srgbClr val="0070C0"/>
+                  <a:srgbClr val="FF0000"/>
                 </a:solidFill>
               </a:rPr>
-              <a:t>8-10:</a:t>
-            </a:r>
-            <a:r>
-              <a:rPr lang="en-US" dirty="0">
+              <a:t>1</a:t>
+            </a:r>
+            <a:endParaRPr lang="en-AU" sz="1600" dirty="0">
+              <a:solidFill>
+                <a:srgbClr val="FF0000"/>
+              </a:solidFill>
+            </a:endParaRPr>
+          </a:p>
+        </p:txBody>
+      </p:sp>
+      <p:sp>
+        <p:nvSpPr>
+          <p:cNvPr id="23" name="TextBox 22">
+            <a:extLst>
+              <a:ext uri="{FF2B5EF4-FFF2-40B4-BE49-F238E27FC236}">
+                <a16:creationId xmlns:a16="http://schemas.microsoft.com/office/drawing/2014/main" id="{27EEED11-08E7-EB54-A0B7-B1F76F074E6E}"/>
+              </a:ext>
+            </a:extLst>
+          </p:cNvPr>
+          <p:cNvSpPr txBox="1"/>
+          <p:nvPr/>
+        </p:nvSpPr>
+        <p:spPr>
+          <a:xfrm>
+            <a:off x="3263605" y="1455685"/>
+            <a:ext cx="458938" cy="400110"/>
+          </a:xfrm>
+          <a:prstGeom prst="rect">
+            <a:avLst/>
+          </a:prstGeom>
+          <a:noFill/>
+        </p:spPr>
+        <p:txBody>
+          <a:bodyPr wrap="square" rtlCol="0">
+            <a:spAutoFit/>
+          </a:bodyPr>
+          <a:lstStyle/>
+          <a:p>
+            <a:r>
+              <a:rPr lang="en-US" sz="2000" dirty="0">
                 <a:solidFill>
-                  <a:srgbClr val="0070C0"/>
+                  <a:srgbClr val="FF0000"/>
                 </a:solidFill>
               </a:rPr>
-              <a:t> Colorimetric LAMP mix</a:t>
-            </a:r>
-          </a:p>
-          <a:p>
-            <a:endParaRPr lang="en-US" dirty="0">
+              <a:t>2</a:t>
+            </a:r>
+            <a:endParaRPr lang="en-AU" sz="1600" dirty="0">
               <a:solidFill>
-                <a:srgbClr val="0070C0"/>
+                <a:srgbClr val="FF0000"/>
               </a:solidFill>
             </a:endParaRPr>
           </a:p>
         </p:txBody>
       </p:sp>
+    </p:spTree>
+    <p:extLst>
+      <p:ext uri="{BB962C8B-B14F-4D97-AF65-F5344CB8AC3E}">
+        <p14:creationId xmlns:p14="http://schemas.microsoft.com/office/powerpoint/2010/main" val="1889089896"/>
+      </p:ext>
+    </p:extLst>
+  </p:cSld>
+  <p:clrMapOvr>
+    <a:masterClrMapping/>
+  </p:clrMapOvr>
+</p:sld>
+</file>
+
+<file path=ppt/slides/slide6.xml><?xml version="1.0" encoding="utf-8"?>
+<p:sld xmlns:a="http://schemas.openxmlformats.org/drawingml/2006/main" xmlns:r="http://schemas.openxmlformats.org/officeDocument/2006/relationships" xmlns:p="http://schemas.openxmlformats.org/presentationml/2006/main">
+  <p:cSld>
+    <p:spTree>
+      <p:nvGrpSpPr>
+        <p:cNvPr id="1" name=""/>
+        <p:cNvGrpSpPr/>
+        <p:nvPr/>
+      </p:nvGrpSpPr>
+      <p:grpSpPr>
+        <a:xfrm>
+          <a:off x="0" y="0"/>
+          <a:ext cx="0" cy="0"/>
+          <a:chOff x="0" y="0"/>
+          <a:chExt cx="0" cy="0"/>
+        </a:xfrm>
+      </p:grpSpPr>
+      <p:sp>
+        <p:nvSpPr>
+          <p:cNvPr id="8" name="Title 1"/>
+          <p:cNvSpPr txBox="1">
+            <a:spLocks/>
+          </p:cNvSpPr>
+          <p:nvPr/>
+        </p:nvSpPr>
+        <p:spPr bwMode="auto">
+          <a:xfrm>
+            <a:off x="110786" y="8995"/>
+            <a:ext cx="8473376" cy="812800"/>
+          </a:xfrm>
+          <a:prstGeom prst="rect">
+            <a:avLst/>
+          </a:prstGeom>
+          <a:noFill/>
+          <a:ln w="9525">
+            <a:noFill/>
+            <a:miter lim="800000"/>
+            <a:headEnd/>
+            <a:tailEnd/>
+          </a:ln>
+        </p:spPr>
+        <p:txBody>
+          <a:bodyPr/>
+          <a:lstStyle/>
+          <a:p>
+            <a:pPr>
+              <a:defRPr/>
+            </a:pPr>
+            <a:r>
+              <a:rPr lang="en-US" sz="4267" dirty="0">
+                <a:solidFill>
+                  <a:schemeClr val="bg1"/>
+                </a:solidFill>
+              </a:rPr>
+              <a:t>Magnetic Isolation of </a:t>
+            </a:r>
+            <a:r>
+              <a:rPr lang="en-US" sz="4267" dirty="0" err="1">
+                <a:solidFill>
+                  <a:schemeClr val="bg1"/>
+                </a:solidFill>
+              </a:rPr>
+              <a:t>Lxx</a:t>
+            </a:r>
+            <a:endParaRPr lang="en-US" sz="4267" baseline="30000" dirty="0">
+              <a:solidFill>
+                <a:schemeClr val="bg1"/>
+              </a:solidFill>
+            </a:endParaRPr>
+          </a:p>
+        </p:txBody>
+      </p:sp>
+      <p:sp>
+        <p:nvSpPr>
+          <p:cNvPr id="12" name="Footer Placeholder 3">
+            <a:extLst>
+              <a:ext uri="{FF2B5EF4-FFF2-40B4-BE49-F238E27FC236}">
+                <a16:creationId xmlns:a16="http://schemas.microsoft.com/office/drawing/2014/main" id="{516D6590-F192-48BE-95CC-12A9ED59BC78}"/>
+              </a:ext>
+            </a:extLst>
+          </p:cNvPr>
+          <p:cNvSpPr>
+            <a:spLocks noGrp="1"/>
+          </p:cNvSpPr>
+          <p:nvPr>
+            <p:ph type="ftr" sz="quarter" idx="10"/>
+          </p:nvPr>
+        </p:nvSpPr>
+        <p:spPr>
+          <a:xfrm>
+            <a:off x="46893" y="6491818"/>
+            <a:ext cx="1484195" cy="366183"/>
+          </a:xfrm>
+        </p:spPr>
+        <p:txBody>
+          <a:bodyPr/>
+          <a:lstStyle/>
+          <a:p>
+            <a:r>
+              <a:rPr lang="en-AU" sz="1067" dirty="0">
+                <a:solidFill>
+                  <a:schemeClr val="accent6">
+                    <a:lumMod val="75000"/>
+                  </a:schemeClr>
+                </a:solidFill>
+              </a:rPr>
+              <a:t>https://shiddiky.com</a:t>
+            </a:r>
+          </a:p>
+        </p:txBody>
+      </p:sp>
       <p:pic>
         <p:nvPicPr>
-          <p:cNvPr id="5" name="Picture 4">
-            <a:extLst>
-              <a:ext uri="{FF2B5EF4-FFF2-40B4-BE49-F238E27FC236}">
-                <a16:creationId xmlns:a16="http://schemas.microsoft.com/office/drawing/2014/main" id="{C2F6610B-0C08-25DD-3154-F6CC6B3926E5}"/>
+          <p:cNvPr id="3" name="Picture 2" descr="Chart, histogram&#10;&#10;Description automatically generated">
+            <a:extLst>
+              <a:ext uri="{FF2B5EF4-FFF2-40B4-BE49-F238E27FC236}">
+                <a16:creationId xmlns:a16="http://schemas.microsoft.com/office/drawing/2014/main" id="{EE8FDE26-B65C-7014-335D-E879B8EEC71C}"/>
               </a:ext>
             </a:extLst>
           </p:cNvPr>
@@ -4707,15 +6571,56 @@
           <p:nvPr/>
         </p:nvPicPr>
         <p:blipFill>
-          <a:blip r:embed="rId2"/>
+          <a:blip r:embed="rId2">
+            <a:extLst>
+              <a:ext uri="{28A0092B-C50C-407E-A947-70E740481C1C}">
+                <a14:useLocalDpi xmlns:a14="http://schemas.microsoft.com/office/drawing/2010/main" val="0"/>
+              </a:ext>
+            </a:extLst>
+          </a:blip>
           <a:stretch>
             <a:fillRect/>
           </a:stretch>
         </p:blipFill>
         <p:spPr>
           <a:xfrm>
-            <a:off x="309097" y="796954"/>
-            <a:ext cx="7972094" cy="5264092"/>
+            <a:off x="3143451" y="2853724"/>
+            <a:ext cx="4752279" cy="3638094"/>
+          </a:xfrm>
+          <a:prstGeom prst="rect">
+            <a:avLst/>
+          </a:prstGeom>
+        </p:spPr>
+      </p:pic>
+      <p:pic>
+        <p:nvPicPr>
+          <p:cNvPr id="6" name="Picture 5" descr="Diagram&#10;&#10;Description automatically generated">
+            <a:extLst>
+              <a:ext uri="{FF2B5EF4-FFF2-40B4-BE49-F238E27FC236}">
+                <a16:creationId xmlns:a16="http://schemas.microsoft.com/office/drawing/2014/main" id="{B58C2823-4FCC-F23F-DD93-3BC9774FF264}"/>
+              </a:ext>
+            </a:extLst>
+          </p:cNvPr>
+          <p:cNvPicPr>
+            <a:picLocks noChangeAspect="1"/>
+          </p:cNvPicPr>
+          <p:nvPr/>
+        </p:nvPicPr>
+        <p:blipFill rotWithShape="1">
+          <a:blip r:embed="rId3">
+            <a:extLst>
+              <a:ext uri="{28A0092B-C50C-407E-A947-70E740481C1C}">
+                <a14:useLocalDpi xmlns:a14="http://schemas.microsoft.com/office/drawing/2010/main" val="0"/>
+              </a:ext>
+            </a:extLst>
+          </a:blip>
+          <a:srcRect t="13527" b="15520"/>
+          <a:stretch/>
+        </p:blipFill>
+        <p:spPr>
+          <a:xfrm>
+            <a:off x="2240285" y="723572"/>
+            <a:ext cx="7130925" cy="1937857"/>
           </a:xfrm>
           <a:prstGeom prst="rect">
             <a:avLst/>
@@ -4725,7 +6630,7 @@
     </p:spTree>
     <p:extLst>
       <p:ext uri="{BB962C8B-B14F-4D97-AF65-F5344CB8AC3E}">
-        <p14:creationId xmlns:p14="http://schemas.microsoft.com/office/powerpoint/2010/main" val="4221163288"/>
+        <p14:creationId xmlns:p14="http://schemas.microsoft.com/office/powerpoint/2010/main" val="264479212"/>
       </p:ext>
     </p:extLst>
   </p:cSld>
